--- a/doc/ASEインターンシップ2019_モバイルアプリ.pptx
+++ b/doc/ASEインターンシップ2019_モバイルアプリ.pptx
@@ -83,8 +83,6 @@
     <p:sldId id="328" r:id="rId80"/>
     <p:sldId id="329" r:id="rId81"/>
     <p:sldId id="330" r:id="rId82"/>
-    <p:sldId id="331" r:id="rId83"/>
-    <p:sldId id="332" r:id="rId84"/>
   </p:sldIdLst>
   <p:sldSz cx="12192000" cy="6858000"/>
   <p:notesSz cx="6858000" cy="9144000"/>
@@ -12958,7 +12956,7 @@
               <a:defRPr sz="1900"/>
             </a:pPr>
             <a:r>
-              <a:t>Reatc Native</a:t>
+              <a:t>React Native</a:t>
             </a:r>
             <a:r>
               <a:rPr>
@@ -14613,29 +14611,68 @@
                 <a:spcPts val="800"/>
               </a:spcBef>
               <a:buFontTx/>
-              <a:defRPr sz="1600">
-                <a:latin typeface="+mj-lt"/>
-                <a:ea typeface="+mj-ea"/>
-                <a:cs typeface="+mj-cs"/>
-                <a:sym typeface="Helvetica"/>
-              </a:defRPr>
-            </a:pPr>
-            <a:r>
-              <a:t>最終的には表示に関するロジック以外は分離する</a:t>
+              <a:defRPr sz="1600"/>
+            </a:pPr>
+            <a:r>
+              <a:t>React.Component</a:t>
             </a:r>
             <a:r>
               <a:rPr>
-                <a:latin typeface="+mn-lt"/>
-                <a:ea typeface="+mn-ea"/>
-                <a:cs typeface="+mn-cs"/>
-                <a:sym typeface="Trebuchet MS"/>
+                <a:latin typeface="+mj-lt"/>
+                <a:ea typeface="+mj-ea"/>
+                <a:cs typeface="+mj-cs"/>
+                <a:sym typeface="Helvetica"/>
               </a:rPr>
-              <a:t>→Flux</a:t>
-            </a:r>
-            <a:r>
-              <a:t>パターン</a:t>
-            </a:r>
-            <a:endParaRPr sz="1700"/>
+              <a:t>を継承することで、</a:t>
+            </a:r>
+            <a:r>
+              <a:t>state</a:t>
+            </a:r>
+            <a:r>
+              <a:rPr>
+                <a:latin typeface="+mj-lt"/>
+                <a:ea typeface="+mj-ea"/>
+                <a:cs typeface="+mj-cs"/>
+                <a:sym typeface="Helvetica"/>
+              </a:rPr>
+              <a:t>と呼ばれる状態の変化</a:t>
+            </a:r>
+            <a:r>
+              <a:rPr>
+                <a:latin typeface="+mj-lt"/>
+                <a:ea typeface="+mj-ea"/>
+                <a:cs typeface="+mj-cs"/>
+                <a:sym typeface="Helvetica"/>
+              </a:rPr>
+              <a:t>で</a:t>
+            </a:r>
+            <a:r>
+              <a:rPr>
+                <a:latin typeface="+mj-lt"/>
+                <a:ea typeface="+mj-ea"/>
+                <a:cs typeface="+mj-cs"/>
+                <a:sym typeface="Helvetica"/>
+              </a:rPr>
+              <a:t>自動</a:t>
+            </a:r>
+            <a:r>
+              <a:t>的にView</a:t>
+            </a:r>
+            <a:r>
+              <a:rPr>
+                <a:latin typeface="+mj-lt"/>
+                <a:ea typeface="+mj-ea"/>
+                <a:cs typeface="+mj-cs"/>
+                <a:sym typeface="Helvetica"/>
+              </a:rPr>
+              <a:t>が再描画される。</a:t>
+            </a:r>
+            <a:endParaRPr>
+              <a:latin typeface="+mj-lt"/>
+              <a:ea typeface="+mj-ea"/>
+              <a:cs typeface="+mj-cs"/>
+              <a:sym typeface="Helvetica"/>
+            </a:endParaRPr>
           </a:p>
           <a:p>
             <a:pPr lvl="1" marL="762380" indent="-305180" defTabSz="406908">
@@ -14647,78 +14684,6 @@
               </a:spcBef>
               <a:buFontTx/>
               <a:defRPr sz="1600"/>
-            </a:pPr>
-            <a:r>
-              <a:t>React.Component</a:t>
-            </a:r>
-            <a:r>
-              <a:rPr>
-                <a:latin typeface="+mj-lt"/>
-                <a:ea typeface="+mj-ea"/>
-                <a:cs typeface="+mj-cs"/>
-                <a:sym typeface="Helvetica"/>
-              </a:rPr>
-              <a:t>を継承することで、</a:t>
-            </a:r>
-            <a:r>
-              <a:t>state</a:t>
-            </a:r>
-            <a:r>
-              <a:rPr>
-                <a:latin typeface="+mj-lt"/>
-                <a:ea typeface="+mj-ea"/>
-                <a:cs typeface="+mj-cs"/>
-                <a:sym typeface="Helvetica"/>
-              </a:rPr>
-              <a:t>と呼ばれる状態の変化</a:t>
-            </a:r>
-            <a:r>
-              <a:rPr>
-                <a:latin typeface="+mj-lt"/>
-                <a:ea typeface="+mj-ea"/>
-                <a:cs typeface="+mj-cs"/>
-                <a:sym typeface="Helvetica"/>
-              </a:rPr>
-              <a:t>で</a:t>
-            </a:r>
-            <a:r>
-              <a:rPr>
-                <a:latin typeface="+mj-lt"/>
-                <a:ea typeface="+mj-ea"/>
-                <a:cs typeface="+mj-cs"/>
-                <a:sym typeface="Helvetica"/>
-              </a:rPr>
-              <a:t>自動</a:t>
-            </a:r>
-            <a:r>
-              <a:t>的にView</a:t>
-            </a:r>
-            <a:r>
-              <a:rPr>
-                <a:latin typeface="+mj-lt"/>
-                <a:ea typeface="+mj-ea"/>
-                <a:cs typeface="+mj-cs"/>
-                <a:sym typeface="Helvetica"/>
-              </a:rPr>
-              <a:t>が再描画される。</a:t>
-            </a:r>
-            <a:endParaRPr sz="1700"/>
-          </a:p>
-          <a:p>
-            <a:pPr marL="305179" indent="-305179" defTabSz="406908">
-              <a:lnSpc>
-                <a:spcPct val="90000"/>
-              </a:lnSpc>
-              <a:spcBef>
-                <a:spcPts val="800"/>
-              </a:spcBef>
-              <a:buFont typeface="Helvetica"/>
-              <a:defRPr sz="1600">
-                <a:latin typeface="+mj-lt"/>
-                <a:ea typeface="+mj-ea"/>
-                <a:cs typeface="+mj-cs"/>
-                <a:sym typeface="Helvetica"/>
-              </a:defRPr>
             </a:pPr>
             <a:endParaRPr sz="1700"/>
           </a:p>
@@ -14913,89 +14878,6 @@
           </a:p>
         </p:txBody>
       </p:sp>
-      <p:sp>
-        <p:nvSpPr>
-          <p:cNvPr id="344" name="テキスト ボックス 2"/>
-          <p:cNvSpPr txBox="1"/>
-          <p:nvPr/>
-        </p:nvSpPr>
-        <p:spPr>
-          <a:xfrm>
-            <a:off x="2564321" y="4007801"/>
-            <a:ext cx="6122479" cy="802639"/>
-          </a:xfrm>
-          <a:prstGeom prst="rect">
-            <a:avLst/>
-          </a:prstGeom>
-          <a:ln w="12700">
-            <a:miter lim="400000"/>
-          </a:ln>
-          <a:extLst>
-            <a:ext uri="{C572A759-6A51-4108-AA02-DFA0A04FC94B}">
-              <ma14:wrappingTextBoxFlag xmlns:ma14="http://schemas.microsoft.com/office/mac/drawingml/2011/main" val="1"/>
-            </a:ext>
-          </a:extLst>
-        </p:spPr>
-        <p:txBody>
-          <a:bodyPr lIns="45718" tIns="45718" rIns="45718" bIns="45718">
-            <a:spAutoFit/>
-          </a:bodyPr>
-          <a:lstStyle/>
-          <a:p>
-            <a:pPr>
-              <a:defRPr sz="2000">
-                <a:latin typeface="+mj-lt"/>
-                <a:ea typeface="+mj-ea"/>
-                <a:cs typeface="+mj-cs"/>
-                <a:sym typeface="Helvetica"/>
-              </a:defRPr>
-            </a:pPr>
-            <a:r>
-              <a:t>時間が余ったらアドリブで</a:t>
-            </a:r>
-            <a:r>
-              <a:rPr>
-                <a:latin typeface="+mn-lt"/>
-                <a:ea typeface="+mn-ea"/>
-                <a:cs typeface="+mn-cs"/>
-                <a:sym typeface="Trebuchet MS"/>
-              </a:rPr>
-              <a:t>React</a:t>
-            </a:r>
-            <a:r>
-              <a:t>の練習もするかも</a:t>
-            </a:r>
-          </a:p>
-          <a:p>
-            <a:pPr>
-              <a:defRPr sz="2000" u="sng">
-                <a:solidFill>
-                  <a:srgbClr val="99CA3C"/>
-                </a:solidFill>
-                <a:uFill>
-                  <a:solidFill>
-                    <a:srgbClr val="99CA3C"/>
-                  </a:solidFill>
-                </a:uFill>
-              </a:defRPr>
-            </a:pPr>
-            <a:r>
-              <a:rPr>
-                <a:solidFill>
-                  <a:srgbClr val="0000FF"/>
-                </a:solidFill>
-                <a:uFill>
-                  <a:solidFill>
-                    <a:srgbClr val="0000FF"/>
-                  </a:solidFill>
-                </a:uFill>
-                <a:hlinkClick r:id="rId2" invalidUrl="" action="" tgtFrame="" tooltip="" history="1" highlightClick="0" endSnd="0"/>
-              </a:rPr>
-              <a:t>https://stackblitz.com/edit/react-qjpfms</a:t>
-            </a:r>
-          </a:p>
-        </p:txBody>
-      </p:sp>
     </p:spTree>
   </p:cSld>
   <p:clrMapOvr>
@@ -15227,7 +15109,7 @@
       </p:grpSpPr>
       <p:sp>
         <p:nvSpPr>
-          <p:cNvPr id="346" name="タイトル 1"/>
+          <p:cNvPr id="345" name="タイトル 1"/>
           <p:cNvSpPr txBox="1"/>
           <p:nvPr>
             <p:ph type="title"/>
@@ -15264,7 +15146,7 @@
       </p:sp>
       <p:sp>
         <p:nvSpPr>
-          <p:cNvPr id="347" name="コンテンツ プレースホルダー 2"/>
+          <p:cNvPr id="346" name="コンテンツ プレースホルダー 2"/>
           <p:cNvSpPr txBox="1"/>
           <p:nvPr>
             <p:ph type="body" idx="1"/>
@@ -15477,7 +15359,7 @@
       </p:grpSpPr>
       <p:sp>
         <p:nvSpPr>
-          <p:cNvPr id="349" name="タイトル 1"/>
+          <p:cNvPr id="348" name="タイトル 1"/>
           <p:cNvSpPr txBox="1"/>
           <p:nvPr>
             <p:ph type="title"/>
@@ -15540,7 +15422,7 @@
       </p:grpSpPr>
       <p:sp>
         <p:nvSpPr>
-          <p:cNvPr id="351" name="タイトル 1"/>
+          <p:cNvPr id="350" name="タイトル 1"/>
           <p:cNvSpPr txBox="1"/>
           <p:nvPr>
             <p:ph type="title"/>
@@ -15585,7 +15467,7 @@
       </p:sp>
       <p:sp>
         <p:nvSpPr>
-          <p:cNvPr id="352" name="コンテンツ プレースホルダー 2"/>
+          <p:cNvPr id="351" name="コンテンツ プレースホルダー 2"/>
           <p:cNvSpPr txBox="1"/>
           <p:nvPr>
             <p:ph type="body" idx="1"/>
@@ -15747,7 +15629,7 @@
       </p:grpSpPr>
       <p:sp>
         <p:nvSpPr>
-          <p:cNvPr id="354" name="タイトル 1"/>
+          <p:cNvPr id="353" name="タイトル 1"/>
           <p:cNvSpPr txBox="1"/>
           <p:nvPr>
             <p:ph type="title"/>
@@ -15792,7 +15674,7 @@
       </p:sp>
       <p:sp>
         <p:nvSpPr>
-          <p:cNvPr id="355" name="コンテンツ プレースホルダー 2"/>
+          <p:cNvPr id="354" name="コンテンツ プレースホルダー 2"/>
           <p:cNvSpPr txBox="1"/>
           <p:nvPr>
             <p:ph type="body" idx="1"/>
@@ -15955,7 +15837,7 @@
       </p:grpSpPr>
       <p:sp>
         <p:nvSpPr>
-          <p:cNvPr id="357" name="タイトル 1"/>
+          <p:cNvPr id="356" name="タイトル 1"/>
           <p:cNvSpPr txBox="1"/>
           <p:nvPr>
             <p:ph type="title"/>
@@ -16000,7 +15882,7 @@
       </p:sp>
       <p:pic>
         <p:nvPicPr>
-          <p:cNvPr id="358" name="図 6" descr="図 6"/>
+          <p:cNvPr id="357" name="図 6" descr="図 6"/>
           <p:cNvPicPr>
             <a:picLocks noChangeAspect="1"/>
           </p:cNvPicPr>
@@ -16038,7 +15920,7 @@
       </p:pic>
       <p:sp>
         <p:nvSpPr>
-          <p:cNvPr id="359" name="コンテンツ プレースホルダー 2"/>
+          <p:cNvPr id="358" name="コンテンツ プレースホルダー 2"/>
           <p:cNvSpPr txBox="1"/>
           <p:nvPr/>
         </p:nvSpPr>
@@ -16118,7 +16000,7 @@
       </p:grpSpPr>
       <p:sp>
         <p:nvSpPr>
-          <p:cNvPr id="361" name="タイトル 1"/>
+          <p:cNvPr id="360" name="タイトル 1"/>
           <p:cNvSpPr txBox="1"/>
           <p:nvPr>
             <p:ph type="title"/>
@@ -16163,7 +16045,7 @@
       </p:sp>
       <p:pic>
         <p:nvPicPr>
-          <p:cNvPr id="362" name="図 6" descr="図 6"/>
+          <p:cNvPr id="361" name="図 6" descr="図 6"/>
           <p:cNvPicPr>
             <a:picLocks noChangeAspect="1"/>
           </p:cNvPicPr>
@@ -16201,7 +16083,7 @@
       </p:pic>
       <p:sp>
         <p:nvSpPr>
-          <p:cNvPr id="363" name="コンテンツ プレースホルダー 2"/>
+          <p:cNvPr id="362" name="コンテンツ プレースホルダー 2"/>
           <p:cNvSpPr txBox="1"/>
           <p:nvPr/>
         </p:nvSpPr>
@@ -16255,7 +16137,7 @@
       </p:sp>
       <p:pic>
         <p:nvPicPr>
-          <p:cNvPr id="364" name="図 11" descr="図 11"/>
+          <p:cNvPr id="363" name="図 11" descr="図 11"/>
           <p:cNvPicPr>
             <a:picLocks noChangeAspect="1"/>
           </p:cNvPicPr>
@@ -16293,7 +16175,7 @@
       </p:pic>
       <p:sp>
         <p:nvSpPr>
-          <p:cNvPr id="365" name="コンテンツ プレースホルダー 2"/>
+          <p:cNvPr id="364" name="コンテンツ プレースホルダー 2"/>
           <p:cNvSpPr txBox="1"/>
           <p:nvPr/>
         </p:nvSpPr>
@@ -16347,7 +16229,7 @@
       </p:sp>
       <p:sp>
         <p:nvSpPr>
-          <p:cNvPr id="366" name="コンテンツ プレースホルダー 2"/>
+          <p:cNvPr id="365" name="コンテンツ プレースホルダー 2"/>
           <p:cNvSpPr txBox="1"/>
           <p:nvPr/>
         </p:nvSpPr>
@@ -16427,7 +16309,7 @@
       </p:grpSpPr>
       <p:sp>
         <p:nvSpPr>
-          <p:cNvPr id="368" name="タイトル 1"/>
+          <p:cNvPr id="367" name="タイトル 1"/>
           <p:cNvSpPr txBox="1"/>
           <p:nvPr>
             <p:ph type="title"/>
@@ -16490,7 +16372,7 @@
       </p:grpSpPr>
       <p:sp>
         <p:nvSpPr>
-          <p:cNvPr id="370" name="タイトル 1"/>
+          <p:cNvPr id="369" name="タイトル 1"/>
           <p:cNvSpPr txBox="1"/>
           <p:nvPr>
             <p:ph type="title"/>
@@ -16530,7 +16412,7 @@
       </p:sp>
       <p:sp>
         <p:nvSpPr>
-          <p:cNvPr id="371" name="コンテンツ プレースホルダー 2"/>
+          <p:cNvPr id="370" name="コンテンツ プレースホルダー 2"/>
           <p:cNvSpPr txBox="1"/>
           <p:nvPr>
             <p:ph type="body" idx="1"/>
@@ -16604,7 +16486,7 @@
       </p:sp>
       <p:pic>
         <p:nvPicPr>
-          <p:cNvPr id="372" name="図 3" descr="図 3"/>
+          <p:cNvPr id="371" name="図 3" descr="図 3"/>
           <p:cNvPicPr>
             <a:picLocks noChangeAspect="1"/>
           </p:cNvPicPr>
@@ -16668,7 +16550,7 @@
       </p:grpSpPr>
       <p:sp>
         <p:nvSpPr>
-          <p:cNvPr id="374" name="タイトル 1"/>
+          <p:cNvPr id="373" name="タイトル 1"/>
           <p:cNvSpPr txBox="1"/>
           <p:nvPr>
             <p:ph type="title"/>
@@ -16708,7 +16590,7 @@
       </p:sp>
       <p:sp>
         <p:nvSpPr>
-          <p:cNvPr id="375" name="コンテンツ プレースホルダー 2"/>
+          <p:cNvPr id="374" name="コンテンツ プレースホルダー 2"/>
           <p:cNvSpPr txBox="1"/>
           <p:nvPr>
             <p:ph type="body" idx="1"/>
@@ -16783,7 +16665,7 @@
       </p:sp>
       <p:pic>
         <p:nvPicPr>
-          <p:cNvPr id="376" name="図 4" descr="図 4"/>
+          <p:cNvPr id="375" name="図 4" descr="図 4"/>
           <p:cNvPicPr>
             <a:picLocks noChangeAspect="1"/>
           </p:cNvPicPr>
@@ -16821,7 +16703,7 @@
       </p:pic>
       <p:sp>
         <p:nvSpPr>
-          <p:cNvPr id="377" name="正方形/長方形 5"/>
+          <p:cNvPr id="376" name="正方形/長方形 5"/>
           <p:cNvSpPr/>
           <p:nvPr/>
         </p:nvSpPr>
@@ -16881,7 +16763,7 @@
       </p:grpSpPr>
       <p:sp>
         <p:nvSpPr>
-          <p:cNvPr id="379" name="タイトル 1"/>
+          <p:cNvPr id="378" name="タイトル 1"/>
           <p:cNvSpPr txBox="1"/>
           <p:nvPr>
             <p:ph type="title"/>
@@ -16921,7 +16803,7 @@
       </p:sp>
       <p:sp>
         <p:nvSpPr>
-          <p:cNvPr id="380" name="コンテンツ プレースホルダー 2"/>
+          <p:cNvPr id="379" name="コンテンツ プレースホルダー 2"/>
           <p:cNvSpPr txBox="1"/>
           <p:nvPr>
             <p:ph type="body" idx="1"/>
@@ -16965,7 +16847,7 @@
       </p:sp>
       <p:pic>
         <p:nvPicPr>
-          <p:cNvPr id="381" name="図 3" descr="図 3"/>
+          <p:cNvPr id="380" name="図 3" descr="図 3"/>
           <p:cNvPicPr>
             <a:picLocks noChangeAspect="1"/>
           </p:cNvPicPr>
@@ -17747,7 +17629,7 @@
       </p:grpSpPr>
       <p:sp>
         <p:nvSpPr>
-          <p:cNvPr id="383" name="タイトル 1"/>
+          <p:cNvPr id="382" name="タイトル 1"/>
           <p:cNvSpPr txBox="1"/>
           <p:nvPr>
             <p:ph type="title"/>
@@ -17787,7 +17669,7 @@
       </p:sp>
       <p:sp>
         <p:nvSpPr>
-          <p:cNvPr id="384" name="コンテンツ プレースホルダー 2"/>
+          <p:cNvPr id="383" name="コンテンツ プレースホルダー 2"/>
           <p:cNvSpPr txBox="1"/>
           <p:nvPr/>
         </p:nvSpPr>
@@ -17997,7 +17879,7 @@
       </p:sp>
       <p:pic>
         <p:nvPicPr>
-          <p:cNvPr id="385" name="Screenshot_2019-07-28-17-43-56.png" descr="Screenshot_2019-07-28-17-43-56.png"/>
+          <p:cNvPr id="384" name="Screenshot_2019-07-28-17-43-56.png" descr="Screenshot_2019-07-28-17-43-56.png"/>
           <p:cNvPicPr>
             <a:picLocks noChangeAspect="1"/>
           </p:cNvPicPr>
@@ -18053,7 +17935,7 @@
       </p:grpSpPr>
       <p:sp>
         <p:nvSpPr>
-          <p:cNvPr id="387" name="タイトル 1"/>
+          <p:cNvPr id="386" name="タイトル 1"/>
           <p:cNvSpPr txBox="1"/>
           <p:nvPr>
             <p:ph type="title"/>
@@ -18116,7 +17998,7 @@
       </p:grpSpPr>
       <p:sp>
         <p:nvSpPr>
-          <p:cNvPr id="389" name="タイトル 1"/>
+          <p:cNvPr id="388" name="タイトル 1"/>
           <p:cNvSpPr txBox="1"/>
           <p:nvPr>
             <p:ph type="title"/>
@@ -18156,7 +18038,7 @@
       </p:sp>
       <p:pic>
         <p:nvPicPr>
-          <p:cNvPr id="390" name="コンテンツ プレースホルダー 3" descr="コンテンツ プレースホルダー 3"/>
+          <p:cNvPr id="389" name="コンテンツ プレースホルダー 3" descr="コンテンツ プレースホルダー 3"/>
           <p:cNvPicPr>
             <a:picLocks noChangeAspect="1"/>
           </p:cNvPicPr>
@@ -18194,7 +18076,7 @@
       </p:pic>
       <p:sp>
         <p:nvSpPr>
-          <p:cNvPr id="391" name="コンテンツ プレースホルダー 2"/>
+          <p:cNvPr id="390" name="コンテンツ プレースホルダー 2"/>
           <p:cNvSpPr txBox="1"/>
           <p:nvPr/>
         </p:nvSpPr>
@@ -18267,7 +18149,7 @@
       </p:sp>
       <p:sp>
         <p:nvSpPr>
-          <p:cNvPr id="392" name="正方形/長方形 6"/>
+          <p:cNvPr id="391" name="正方形/長方形 6"/>
           <p:cNvSpPr/>
           <p:nvPr/>
         </p:nvSpPr>
@@ -18301,7 +18183,7 @@
       </p:sp>
       <p:sp>
         <p:nvSpPr>
-          <p:cNvPr id="393" name="正方形/長方形 7"/>
+          <p:cNvPr id="392" name="正方形/長方形 7"/>
           <p:cNvSpPr/>
           <p:nvPr/>
         </p:nvSpPr>
@@ -18361,7 +18243,7 @@
       </p:grpSpPr>
       <p:sp>
         <p:nvSpPr>
-          <p:cNvPr id="395" name="タイトル 1"/>
+          <p:cNvPr id="394" name="タイトル 1"/>
           <p:cNvSpPr txBox="1"/>
           <p:nvPr>
             <p:ph type="title"/>
@@ -18401,7 +18283,7 @@
       </p:sp>
       <p:sp>
         <p:nvSpPr>
-          <p:cNvPr id="396" name="コンテンツ プレースホルダー 2"/>
+          <p:cNvPr id="395" name="コンテンツ プレースホルダー 2"/>
           <p:cNvSpPr txBox="1"/>
           <p:nvPr/>
         </p:nvSpPr>
@@ -18474,7 +18356,7 @@
       </p:sp>
       <p:pic>
         <p:nvPicPr>
-          <p:cNvPr id="397" name="図 4" descr="図 4"/>
+          <p:cNvPr id="396" name="図 4" descr="図 4"/>
           <p:cNvPicPr>
             <a:picLocks noChangeAspect="1"/>
           </p:cNvPicPr>
@@ -18503,7 +18385,7 @@
       </p:pic>
       <p:pic>
         <p:nvPicPr>
-          <p:cNvPr id="398" name="Picture 2" descr="Picture 2"/>
+          <p:cNvPr id="397" name="Picture 2" descr="Picture 2"/>
           <p:cNvPicPr>
             <a:picLocks noChangeAspect="1"/>
           </p:cNvPicPr>
@@ -18532,7 +18414,7 @@
       </p:pic>
       <p:sp>
         <p:nvSpPr>
-          <p:cNvPr id="399" name="正方形/長方形 10"/>
+          <p:cNvPr id="398" name="正方形/長方形 10"/>
           <p:cNvSpPr/>
           <p:nvPr/>
         </p:nvSpPr>
@@ -18592,7 +18474,7 @@
       </p:grpSpPr>
       <p:sp>
         <p:nvSpPr>
-          <p:cNvPr id="401" name="タイトル 1"/>
+          <p:cNvPr id="400" name="タイトル 1"/>
           <p:cNvSpPr txBox="1"/>
           <p:nvPr>
             <p:ph type="title"/>
@@ -18632,7 +18514,7 @@
       </p:sp>
       <p:pic>
         <p:nvPicPr>
-          <p:cNvPr id="402" name="Screenshot_2019-07-28-17-12-08.png" descr="Screenshot_2019-07-28-17-12-08.png"/>
+          <p:cNvPr id="401" name="Screenshot_2019-07-28-17-12-08.png" descr="Screenshot_2019-07-28-17-12-08.png"/>
           <p:cNvPicPr>
             <a:picLocks noChangeAspect="1"/>
           </p:cNvPicPr>
@@ -18688,7 +18570,7 @@
       </p:grpSpPr>
       <p:sp>
         <p:nvSpPr>
-          <p:cNvPr id="404" name="タイトル 1"/>
+          <p:cNvPr id="403" name="タイトル 1"/>
           <p:cNvSpPr txBox="1"/>
           <p:nvPr>
             <p:ph type="title"/>
@@ -18728,7 +18610,7 @@
       </p:sp>
       <p:sp>
         <p:nvSpPr>
-          <p:cNvPr id="405" name="コンテンツ プレースホルダー 2"/>
+          <p:cNvPr id="404" name="コンテンツ プレースホルダー 2"/>
           <p:cNvSpPr txBox="1"/>
           <p:nvPr/>
         </p:nvSpPr>
@@ -18801,7 +18683,7 @@
       </p:sp>
       <p:pic>
         <p:nvPicPr>
-          <p:cNvPr id="406" name="図 2" descr="図 2"/>
+          <p:cNvPr id="405" name="図 2" descr="図 2"/>
           <p:cNvPicPr>
             <a:picLocks noChangeAspect="1"/>
           </p:cNvPicPr>
@@ -18839,7 +18721,7 @@
       </p:pic>
       <p:pic>
         <p:nvPicPr>
-          <p:cNvPr id="407" name="図 3" descr="図 3"/>
+          <p:cNvPr id="406" name="図 3" descr="図 3"/>
           <p:cNvPicPr>
             <a:picLocks noChangeAspect="1"/>
           </p:cNvPicPr>
@@ -18877,7 +18759,7 @@
       </p:pic>
       <p:sp>
         <p:nvSpPr>
-          <p:cNvPr id="408" name="正方形/長方形 7"/>
+          <p:cNvPr id="407" name="正方形/長方形 7"/>
           <p:cNvSpPr/>
           <p:nvPr/>
         </p:nvSpPr>
@@ -18911,7 +18793,7 @@
       </p:sp>
       <p:sp>
         <p:nvSpPr>
-          <p:cNvPr id="409" name="正方形/長方形 9"/>
+          <p:cNvPr id="408" name="正方形/長方形 9"/>
           <p:cNvSpPr/>
           <p:nvPr/>
         </p:nvSpPr>
@@ -18945,7 +18827,7 @@
       </p:sp>
       <p:sp>
         <p:nvSpPr>
-          <p:cNvPr id="410" name="下矢印 6"/>
+          <p:cNvPr id="409" name="下矢印 6"/>
           <p:cNvSpPr/>
           <p:nvPr/>
         </p:nvSpPr>
@@ -19051,7 +18933,7 @@
       </p:grpSpPr>
       <p:sp>
         <p:nvSpPr>
-          <p:cNvPr id="412" name="タイトル 1"/>
+          <p:cNvPr id="411" name="タイトル 1"/>
           <p:cNvSpPr txBox="1"/>
           <p:nvPr>
             <p:ph type="title"/>
@@ -19091,7 +18973,7 @@
       </p:sp>
       <p:pic>
         <p:nvPicPr>
-          <p:cNvPr id="413" name="Screenshot_2019-07-28-17-12-55.png" descr="Screenshot_2019-07-28-17-12-55.png"/>
+          <p:cNvPr id="412" name="Screenshot_2019-07-28-17-12-55.png" descr="Screenshot_2019-07-28-17-12-55.png"/>
           <p:cNvPicPr>
             <a:picLocks noChangeAspect="1"/>
           </p:cNvPicPr>
@@ -19121,7 +19003,7 @@
       </p:pic>
       <p:sp>
         <p:nvSpPr>
-          <p:cNvPr id="414" name="正方形/長方形 6"/>
+          <p:cNvPr id="413" name="正方形/長方形 6"/>
           <p:cNvSpPr/>
           <p:nvPr/>
         </p:nvSpPr>
@@ -19181,7 +19063,7 @@
       </p:grpSpPr>
       <p:sp>
         <p:nvSpPr>
-          <p:cNvPr id="416" name="タイトル 1"/>
+          <p:cNvPr id="415" name="タイトル 1"/>
           <p:cNvSpPr txBox="1"/>
           <p:nvPr>
             <p:ph type="title"/>
@@ -19244,7 +19126,7 @@
       </p:grpSpPr>
       <p:sp>
         <p:nvSpPr>
-          <p:cNvPr id="418" name="タイトル 1"/>
+          <p:cNvPr id="417" name="タイトル 1"/>
           <p:cNvSpPr txBox="1"/>
           <p:nvPr>
             <p:ph type="title"/>
@@ -19284,7 +19166,7 @@
       </p:sp>
       <p:sp>
         <p:nvSpPr>
-          <p:cNvPr id="419" name="コンテンツ プレースホルダー 2"/>
+          <p:cNvPr id="418" name="コンテンツ プレースホルダー 2"/>
           <p:cNvSpPr txBox="1"/>
           <p:nvPr>
             <p:ph type="body" idx="1"/>
@@ -19448,7 +19330,7 @@
       </p:sp>
       <p:pic>
         <p:nvPicPr>
-          <p:cNvPr id="420" name="図 11" descr="図 11"/>
+          <p:cNvPr id="419" name="図 11" descr="図 11"/>
           <p:cNvPicPr>
             <a:picLocks noChangeAspect="1"/>
           </p:cNvPicPr>
@@ -19503,7 +19385,7 @@
       </p:grpSpPr>
       <p:sp>
         <p:nvSpPr>
-          <p:cNvPr id="422" name="タイトル 1"/>
+          <p:cNvPr id="421" name="タイトル 1"/>
           <p:cNvSpPr txBox="1"/>
           <p:nvPr>
             <p:ph type="title"/>
@@ -19559,7 +19441,7 @@
       </p:sp>
       <p:pic>
         <p:nvPicPr>
-          <p:cNvPr id="423" name="図 6" descr="図 6"/>
+          <p:cNvPr id="422" name="図 6" descr="図 6"/>
           <p:cNvPicPr>
             <a:picLocks noChangeAspect="1"/>
           </p:cNvPicPr>
@@ -19597,7 +19479,7 @@
       </p:pic>
       <p:sp>
         <p:nvSpPr>
-          <p:cNvPr id="424" name="コンテンツ プレースホルダー 2"/>
+          <p:cNvPr id="423" name="コンテンツ プレースホルダー 2"/>
           <p:cNvSpPr txBox="1"/>
           <p:nvPr/>
         </p:nvSpPr>
@@ -19693,7 +19575,7 @@
       </p:sp>
       <p:sp>
         <p:nvSpPr>
-          <p:cNvPr id="425" name="正方形/長方形 2"/>
+          <p:cNvPr id="424" name="正方形/長方形 2"/>
           <p:cNvSpPr/>
           <p:nvPr/>
         </p:nvSpPr>
@@ -19727,7 +19609,7 @@
       </p:sp>
       <p:sp>
         <p:nvSpPr>
-          <p:cNvPr id="426" name="正方形/長方形 11"/>
+          <p:cNvPr id="425" name="正方形/長方形 11"/>
           <p:cNvSpPr/>
           <p:nvPr/>
         </p:nvSpPr>
@@ -19761,7 +19643,7 @@
       </p:sp>
       <p:sp>
         <p:nvSpPr>
-          <p:cNvPr id="427" name="テキスト ボックス 3"/>
+          <p:cNvPr id="426" name="テキスト ボックス 3"/>
           <p:cNvSpPr txBox="1"/>
           <p:nvPr/>
         </p:nvSpPr>
@@ -19809,7 +19691,7 @@
       </p:sp>
       <p:sp>
         <p:nvSpPr>
-          <p:cNvPr id="428" name="テキスト ボックス 14"/>
+          <p:cNvPr id="427" name="テキスト ボックス 14"/>
           <p:cNvSpPr txBox="1"/>
           <p:nvPr/>
         </p:nvSpPr>
@@ -20226,7 +20108,7 @@
       </p:grpSpPr>
       <p:sp>
         <p:nvSpPr>
-          <p:cNvPr id="430" name="タイトル 1"/>
+          <p:cNvPr id="429" name="タイトル 1"/>
           <p:cNvSpPr txBox="1"/>
           <p:nvPr>
             <p:ph type="title"/>
@@ -20282,7 +20164,7 @@
       </p:sp>
       <p:sp>
         <p:nvSpPr>
-          <p:cNvPr id="431" name="コンテンツ プレースホルダー 2"/>
+          <p:cNvPr id="430" name="コンテンツ プレースホルダー 2"/>
           <p:cNvSpPr txBox="1"/>
           <p:nvPr/>
         </p:nvSpPr>
@@ -20451,7 +20333,7 @@
       </p:grpSpPr>
       <p:sp>
         <p:nvSpPr>
-          <p:cNvPr id="433" name="タイトル 1"/>
+          <p:cNvPr id="432" name="タイトル 1"/>
           <p:cNvSpPr txBox="1"/>
           <p:nvPr>
             <p:ph type="title"/>
@@ -20507,7 +20389,7 @@
       </p:sp>
       <p:sp>
         <p:nvSpPr>
-          <p:cNvPr id="434" name="コンテンツ プレースホルダー 2"/>
+          <p:cNvPr id="433" name="コンテンツ プレースホルダー 2"/>
           <p:cNvSpPr txBox="1"/>
           <p:nvPr/>
         </p:nvSpPr>
@@ -20802,7 +20684,7 @@
       </p:grpSpPr>
       <p:sp>
         <p:nvSpPr>
-          <p:cNvPr id="436" name="タイトル 1"/>
+          <p:cNvPr id="435" name="タイトル 1"/>
           <p:cNvSpPr txBox="1"/>
           <p:nvPr>
             <p:ph type="title"/>
@@ -20858,7 +20740,7 @@
       </p:sp>
       <p:sp>
         <p:nvSpPr>
-          <p:cNvPr id="437" name="コンテンツ プレースホルダー 2"/>
+          <p:cNvPr id="436" name="コンテンツ プレースホルダー 2"/>
           <p:cNvSpPr txBox="1"/>
           <p:nvPr/>
         </p:nvSpPr>
@@ -21078,7 +20960,7 @@
       </p:grpSpPr>
       <p:sp>
         <p:nvSpPr>
-          <p:cNvPr id="439" name="タイトル 1"/>
+          <p:cNvPr id="438" name="タイトル 1"/>
           <p:cNvSpPr txBox="1"/>
           <p:nvPr>
             <p:ph type="title"/>
@@ -21134,14 +21016,14 @@
       </p:sp>
       <p:sp>
         <p:nvSpPr>
-          <p:cNvPr id="440" name="コンテンツ プレースホルダー 2"/>
+          <p:cNvPr id="439" name="コンテンツ プレースホルダー 2"/>
           <p:cNvSpPr txBox="1"/>
           <p:nvPr/>
         </p:nvSpPr>
         <p:spPr>
           <a:xfrm>
-            <a:off x="677332" y="1430040"/>
-            <a:ext cx="10312094" cy="5215889"/>
+            <a:off x="677332" y="1430038"/>
+            <a:ext cx="10312094" cy="5787390"/>
           </a:xfrm>
           <a:prstGeom prst="rect">
             <a:avLst/>
@@ -21176,7 +21058,7 @@
               </a:defRPr>
             </a:pPr>
             <a:r>
-              <a:t>コミット「メモ内容の入力フォームを実装」「タイトルの入力フォームを実装」</a:t>
+              <a:t>コミット「日時選択ダイアログを実装」</a:t>
             </a:r>
           </a:p>
           <a:p>
@@ -21211,106 +21093,7 @@
               </a:defRPr>
             </a:pPr>
             <a:r>
-              <a:t>package.jsonのreact-native-elementsの部分を以下のように書き換える</a:t>
-            </a:r>
-          </a:p>
-          <a:p>
-            <a:pPr marL="342900" indent="-342900" defTabSz="457200">
-              <a:spcBef>
-                <a:spcPts val="1000"/>
-              </a:spcBef>
-              <a:defRPr sz="2100">
-                <a:solidFill>
-                  <a:srgbClr val="404040"/>
-                </a:solidFill>
-                <a:latin typeface="メイリオ"/>
-                <a:ea typeface="メイリオ"/>
-                <a:cs typeface="メイリオ"/>
-                <a:sym typeface="メイリオ"/>
-              </a:defRPr>
-            </a:pPr>
-          </a:p>
-          <a:p>
-            <a:pPr marL="342900" indent="-342900" defTabSz="457200">
-              <a:spcBef>
-                <a:spcPts val="1000"/>
-              </a:spcBef>
-              <a:defRPr sz="2100">
-                <a:solidFill>
-                  <a:srgbClr val="41A6D9"/>
-                </a:solidFill>
-                <a:latin typeface="メイリオ"/>
-                <a:ea typeface="メイリオ"/>
-                <a:cs typeface="メイリオ"/>
-                <a:sym typeface="メイリオ"/>
-              </a:defRPr>
-            </a:pPr>
-            <a:r>
-              <a:t>"react-native-elements"</a:t>
-            </a:r>
-            <a:r>
-              <a:rPr>
-                <a:solidFill>
-                  <a:srgbClr val="404040"/>
-                </a:solidFill>
-              </a:rPr>
-              <a:t>: </a:t>
-            </a:r>
-            <a:r>
-              <a:rPr>
-                <a:solidFill>
-                  <a:srgbClr val="86B300"/>
-                </a:solidFill>
-              </a:rPr>
-              <a:t>"1.0.0-beta5"</a:t>
-            </a:r>
-            <a:endParaRPr>
-              <a:solidFill>
-                <a:srgbClr val="404040"/>
-              </a:solidFill>
-            </a:endParaRPr>
-          </a:p>
-          <a:p>
-            <a:pPr marL="342900" indent="-342900" defTabSz="457200">
-              <a:spcBef>
-                <a:spcPts val="1000"/>
-              </a:spcBef>
-              <a:defRPr sz="2100">
-                <a:solidFill>
-                  <a:srgbClr val="86B300"/>
-                </a:solidFill>
-                <a:latin typeface="メイリオ"/>
-                <a:ea typeface="メイリオ"/>
-                <a:cs typeface="メイリオ"/>
-                <a:sym typeface="メイリオ"/>
-              </a:defRPr>
-            </a:pPr>
-          </a:p>
-          <a:p>
-            <a:pPr marL="342900" indent="-342900" defTabSz="457200">
-              <a:spcBef>
-                <a:spcPts val="1000"/>
-              </a:spcBef>
-              <a:defRPr sz="2100">
-                <a:solidFill>
-                  <a:srgbClr val="404040"/>
-                </a:solidFill>
-                <a:latin typeface="メイリオ"/>
-                <a:ea typeface="メイリオ"/>
-                <a:cs typeface="メイリオ"/>
-                <a:sym typeface="メイリオ"/>
-              </a:defRPr>
-            </a:pPr>
-            <a:r>
-              <a:t>このようにする理由はCardのコンポネントの「title」にReactComponentを使用出来るのが</a:t>
-            </a:r>
-            <a:r>
-              <a:rPr>
-                <a:solidFill>
-                  <a:srgbClr val="595959"/>
-                </a:solidFill>
-              </a:rPr>
-              <a:t>1.0.0-beta3以降であるため。</a:t>
+              <a:t>ReactのStateについて</a:t>
             </a:r>
           </a:p>
           <a:p>
@@ -21345,7 +21128,157 @@
                 </a:uFill>
                 <a:hlinkClick r:id="rId2" invalidUrl="" action="" tgtFrame="" tooltip="" history="1" highlightClick="0" endSnd="0"/>
               </a:rPr>
-              <a:t>https://github.com/react-native-training/react-native-elements/issues/918</a:t>
+              <a:t>https://qiita.com/sekikawa_a/items/8ab70f457ef73871419f</a:t>
+            </a:r>
+            <a:endParaRPr>
+              <a:solidFill>
+                <a:srgbClr val="404040"/>
+              </a:solidFill>
+            </a:endParaRPr>
+          </a:p>
+          <a:p>
+            <a:pPr marL="342900" indent="-342900" defTabSz="457200">
+              <a:spcBef>
+                <a:spcPts val="1000"/>
+              </a:spcBef>
+              <a:defRPr sz="2100">
+                <a:solidFill>
+                  <a:srgbClr val="404040"/>
+                </a:solidFill>
+                <a:latin typeface="メイリオ"/>
+                <a:ea typeface="メイリオ"/>
+                <a:cs typeface="メイリオ"/>
+                <a:sym typeface="メイリオ"/>
+              </a:defRPr>
+            </a:pPr>
+          </a:p>
+          <a:p>
+            <a:pPr marL="342900" indent="-342900" defTabSz="457200">
+              <a:spcBef>
+                <a:spcPts val="1000"/>
+              </a:spcBef>
+              <a:defRPr sz="2100">
+                <a:solidFill>
+                  <a:srgbClr val="404040"/>
+                </a:solidFill>
+                <a:latin typeface="メイリオ"/>
+                <a:ea typeface="メイリオ"/>
+                <a:cs typeface="メイリオ"/>
+                <a:sym typeface="メイリオ"/>
+              </a:defRPr>
+            </a:pPr>
+            <a:r>
+              <a:t>今回使用するDateTimePicker（別の物を使用しても良いです。）</a:t>
+            </a:r>
+          </a:p>
+          <a:p>
+            <a:pPr marL="342900" indent="-342900" defTabSz="457200">
+              <a:spcBef>
+                <a:spcPts val="1000"/>
+              </a:spcBef>
+              <a:defRPr sz="2100" u="sng">
+                <a:solidFill>
+                  <a:srgbClr val="99CA3C"/>
+                </a:solidFill>
+                <a:uFill>
+                  <a:solidFill>
+                    <a:srgbClr val="99CA3C"/>
+                  </a:solidFill>
+                </a:uFill>
+                <a:latin typeface="メイリオ"/>
+                <a:ea typeface="メイリオ"/>
+                <a:cs typeface="メイリオ"/>
+                <a:sym typeface="メイリオ"/>
+              </a:defRPr>
+            </a:pPr>
+            <a:r>
+              <a:rPr>
+                <a:solidFill>
+                  <a:srgbClr val="0000FF"/>
+                </a:solidFill>
+                <a:uFill>
+                  <a:solidFill>
+                    <a:srgbClr val="0000FF"/>
+                  </a:solidFill>
+                </a:uFill>
+                <a:hlinkClick r:id="rId3" invalidUrl="" action="" tgtFrame="" tooltip="" history="1" highlightClick="0" endSnd="0"/>
+              </a:rPr>
+              <a:t>https://github.com/mmazzarolo/react-native-modal-datetime-picker</a:t>
+            </a:r>
+            <a:endParaRPr>
+              <a:solidFill>
+                <a:srgbClr val="404040"/>
+              </a:solidFill>
+            </a:endParaRPr>
+          </a:p>
+          <a:p>
+            <a:pPr marL="342900" indent="-342900" defTabSz="457200">
+              <a:spcBef>
+                <a:spcPts val="1000"/>
+              </a:spcBef>
+              <a:defRPr sz="2100">
+                <a:solidFill>
+                  <a:srgbClr val="404040"/>
+                </a:solidFill>
+                <a:latin typeface="メイリオ"/>
+                <a:ea typeface="メイリオ"/>
+                <a:cs typeface="メイリオ"/>
+                <a:sym typeface="メイリオ"/>
+              </a:defRPr>
+            </a:pPr>
+          </a:p>
+          <a:p>
+            <a:pPr marL="342900" indent="-342900" defTabSz="457200">
+              <a:spcBef>
+                <a:spcPts val="1000"/>
+              </a:spcBef>
+              <a:defRPr sz="2100">
+                <a:solidFill>
+                  <a:srgbClr val="404040"/>
+                </a:solidFill>
+                <a:latin typeface="メイリオ"/>
+                <a:ea typeface="メイリオ"/>
+                <a:cs typeface="メイリオ"/>
+                <a:sym typeface="メイリオ"/>
+              </a:defRPr>
+            </a:pPr>
+            <a:r>
+              <a:t>Moment.jsについて</a:t>
+            </a:r>
+          </a:p>
+          <a:p>
+            <a:pPr marL="342900" indent="-342900" defTabSz="457200">
+              <a:spcBef>
+                <a:spcPts val="1000"/>
+              </a:spcBef>
+              <a:defRPr sz="2100" u="sng">
+                <a:solidFill>
+                  <a:srgbClr val="99CA3C"/>
+                </a:solidFill>
+                <a:uFill>
+                  <a:solidFill>
+                    <a:srgbClr val="99CA3C"/>
+                  </a:solidFill>
+                </a:uFill>
+                <a:latin typeface="メイリオ"/>
+                <a:ea typeface="メイリオ"/>
+                <a:cs typeface="メイリオ"/>
+                <a:sym typeface="メイリオ"/>
+              </a:defRPr>
+            </a:pPr>
+            <a:r>
+              <a:rPr>
+                <a:solidFill>
+                  <a:srgbClr val="0000FF"/>
+                </a:solidFill>
+                <a:uFill>
+                  <a:solidFill>
+                    <a:srgbClr val="0000FF"/>
+                  </a:solidFill>
+                </a:uFill>
+                <a:hlinkClick r:id="rId4" invalidUrl="" action="" tgtFrame="" tooltip="" history="1" highlightClick="0" endSnd="0"/>
+              </a:rPr>
+              <a:t>https://qiita.com/osakanafish/items/5ef636bbcb2c3ef94953</a:t>
             </a:r>
             <a:endParaRPr>
               <a:solidFill>
@@ -21399,7 +21332,7 @@
       </p:grpSpPr>
       <p:sp>
         <p:nvSpPr>
-          <p:cNvPr id="442" name="タイトル 1"/>
+          <p:cNvPr id="441" name="タイトル 1"/>
           <p:cNvSpPr txBox="1"/>
           <p:nvPr>
             <p:ph type="title"/>
@@ -21448,21 +21381,21 @@
                 <a:cs typeface="メイリオ"/>
                 <a:sym typeface="メイリオ"/>
               </a:rPr>
-              <a:t>付箋作り</a:t>
+              <a:t>追加処理</a:t>
             </a:r>
           </a:p>
         </p:txBody>
       </p:sp>
       <p:sp>
         <p:nvSpPr>
-          <p:cNvPr id="443" name="コンテンツ プレースホルダー 2"/>
+          <p:cNvPr id="442" name="コンテンツ プレースホルダー 2"/>
           <p:cNvSpPr txBox="1"/>
           <p:nvPr/>
         </p:nvSpPr>
         <p:spPr>
           <a:xfrm>
-            <a:off x="677332" y="1430040"/>
-            <a:ext cx="10312094" cy="3876039"/>
+            <a:off x="677332" y="1430038"/>
+            <a:ext cx="10312094" cy="1964690"/>
           </a:xfrm>
           <a:prstGeom prst="rect">
             <a:avLst/>
@@ -21497,7 +21430,7 @@
               </a:defRPr>
             </a:pPr>
             <a:r>
-              <a:t>コミット「メモ内容の入力フォームを実装」「タイトルの入力フォームを実装」</a:t>
+              <a:t>コミット「追加処理を実装」</a:t>
             </a:r>
           </a:p>
           <a:p>
@@ -21532,7 +21465,7 @@
               </a:defRPr>
             </a:pPr>
             <a:r>
-              <a:t>今何気に書き換えたpackage.jsonとはなにか？</a:t>
+              <a:t>UUIDv4について</a:t>
             </a:r>
           </a:p>
           <a:p>
@@ -21567,88 +21500,8 @@
                 </a:uFill>
                 <a:hlinkClick r:id="rId2" invalidUrl="" action="" tgtFrame="" tooltip="" history="1" highlightClick="0" endSnd="0"/>
               </a:rPr>
-              <a:t>https://qiita.com/dondoko-susumu/items/cf252bd6494412ed7847</a:t>
-            </a:r>
-            <a:endParaRPr>
-              <a:solidFill>
-                <a:srgbClr val="404040"/>
-              </a:solidFill>
-            </a:endParaRPr>
-          </a:p>
-          <a:p>
-            <a:pPr marL="342900" indent="-342900" defTabSz="457200">
-              <a:spcBef>
-                <a:spcPts val="1000"/>
-              </a:spcBef>
-              <a:defRPr sz="2100">
-                <a:solidFill>
-                  <a:srgbClr val="404040"/>
-                </a:solidFill>
-                <a:latin typeface="メイリオ"/>
-                <a:ea typeface="メイリオ"/>
-                <a:cs typeface="メイリオ"/>
-                <a:sym typeface="メイリオ"/>
-              </a:defRPr>
-            </a:pPr>
-          </a:p>
-          <a:p>
-            <a:pPr marL="342900" indent="-342900" defTabSz="457200">
-              <a:spcBef>
-                <a:spcPts val="1000"/>
-              </a:spcBef>
-              <a:defRPr sz="2100">
-                <a:solidFill>
-                  <a:srgbClr val="404040"/>
-                </a:solidFill>
-                <a:latin typeface="メイリオ"/>
-                <a:ea typeface="メイリオ"/>
-                <a:cs typeface="メイリオ"/>
-                <a:sym typeface="メイリオ"/>
-              </a:defRPr>
-            </a:pPr>
-            <a:r>
-              <a:t>パッケージ管理ツールnpmについて</a:t>
-            </a:r>
-          </a:p>
-          <a:p>
-            <a:pPr marL="342900" indent="-342900" defTabSz="457200">
-              <a:spcBef>
-                <a:spcPts val="1000"/>
-              </a:spcBef>
-              <a:defRPr sz="2100" u="sng">
-                <a:solidFill>
-                  <a:srgbClr val="99CA3C"/>
-                </a:solidFill>
-                <a:uFill>
-                  <a:solidFill>
-                    <a:srgbClr val="99CA3C"/>
-                  </a:solidFill>
-                </a:uFill>
-                <a:latin typeface="メイリオ"/>
-                <a:ea typeface="メイリオ"/>
-                <a:cs typeface="メイリオ"/>
-                <a:sym typeface="メイリオ"/>
-              </a:defRPr>
-            </a:pPr>
-            <a:r>
-              <a:rPr>
-                <a:solidFill>
-                  <a:srgbClr val="0000FF"/>
-                </a:solidFill>
-                <a:uFill>
-                  <a:solidFill>
-                    <a:srgbClr val="0000FF"/>
-                  </a:solidFill>
-                </a:uFill>
-                <a:hlinkClick r:id="rId3" invalidUrl="" action="" tgtFrame="" tooltip="" history="1" highlightClick="0" endSnd="0"/>
-              </a:rPr>
-              <a:t>https://techacademy.jp/magazine/16105</a:t>
-            </a:r>
-            <a:endParaRPr>
-              <a:solidFill>
-                <a:srgbClr val="404040"/>
-              </a:solidFill>
-            </a:endParaRPr>
+              <a:t>https://qiita.com/ta_ta_ta_miya/items/1f8f71db3c1bf2dfb7ea</a:t>
+            </a:r>
           </a:p>
         </p:txBody>
       </p:sp>
@@ -21680,7 +21533,7 @@
       </p:grpSpPr>
       <p:sp>
         <p:nvSpPr>
-          <p:cNvPr id="445" name="タイトル 1"/>
+          <p:cNvPr id="444" name="タイトル 1"/>
           <p:cNvSpPr txBox="1"/>
           <p:nvPr>
             <p:ph type="title"/>
@@ -21688,8 +21541,8 @@
         </p:nvSpPr>
         <p:spPr>
           <a:xfrm>
-            <a:off x="677333" y="199505"/>
-            <a:ext cx="8596670" cy="1105593"/>
+            <a:off x="77931" y="2652104"/>
+            <a:ext cx="10432475" cy="781399"/>
           </a:xfrm>
           <a:prstGeom prst="rect">
             <a:avLst/>
@@ -21697,330 +21550,21 @@
         </p:spPr>
         <p:txBody>
           <a:bodyPr/>
-          <a:lstStyle/>
-          <a:p>
-            <a:pPr defTabSz="452627">
-              <a:defRPr sz="2300"/>
-            </a:pPr>
-            <a:r>
-              <a:t>TODO</a:t>
-            </a:r>
-            <a:r>
-              <a:rPr>
-                <a:latin typeface="+mj-lt"/>
-                <a:ea typeface="+mj-ea"/>
-                <a:cs typeface="+mj-cs"/>
-                <a:sym typeface="Helvetica"/>
-              </a:rPr>
-              <a:t>管理用の付箋アプリを作る</a:t>
-            </a:r>
-            <a:br>
-              <a:rPr>
-                <a:latin typeface="+mj-lt"/>
-                <a:ea typeface="+mj-ea"/>
-                <a:cs typeface="+mj-cs"/>
-                <a:sym typeface="Helvetica"/>
-              </a:rPr>
-            </a:br>
-            <a:r>
-              <a:rPr sz="3900">
+          <a:lstStyle>
+            <a:lvl1pPr algn="ctr">
+              <a:defRPr sz="4800">
                 <a:latin typeface="メイリオ"/>
                 <a:ea typeface="メイリオ"/>
                 <a:cs typeface="メイリオ"/>
                 <a:sym typeface="メイリオ"/>
-              </a:rPr>
-              <a:t>付箋作り</a:t>
-            </a:r>
-          </a:p>
-        </p:txBody>
-      </p:sp>
-      <p:sp>
-        <p:nvSpPr>
-          <p:cNvPr id="446" name="コンテンツ プレースホルダー 2"/>
-          <p:cNvSpPr txBox="1"/>
-          <p:nvPr/>
-        </p:nvSpPr>
-        <p:spPr>
-          <a:xfrm>
-            <a:off x="677332" y="1430038"/>
-            <a:ext cx="10312094" cy="5787390"/>
-          </a:xfrm>
-          <a:prstGeom prst="rect">
-            <a:avLst/>
-          </a:prstGeom>
-          <a:ln w="12700">
-            <a:miter lim="400000"/>
-          </a:ln>
-          <a:extLst>
-            <a:ext uri="{C572A759-6A51-4108-AA02-DFA0A04FC94B}">
-              <ma14:wrappingTextBoxFlag xmlns:ma14="http://schemas.microsoft.com/office/mac/drawingml/2011/main" val="1"/>
-            </a:ext>
-          </a:extLst>
-        </p:spPr>
-        <p:txBody>
-          <a:bodyPr lIns="45718" tIns="45718" rIns="45718" bIns="45718">
-            <a:spAutoFit/>
-          </a:bodyPr>
-          <a:lstStyle/>
-          <a:p>
-            <a:pPr marL="342900" indent="-342900" defTabSz="457200">
-              <a:spcBef>
-                <a:spcPts val="1000"/>
-              </a:spcBef>
-              <a:defRPr sz="2100">
-                <a:solidFill>
-                  <a:srgbClr val="404040"/>
-                </a:solidFill>
-                <a:latin typeface="メイリオ"/>
-                <a:ea typeface="メイリオ"/>
-                <a:cs typeface="メイリオ"/>
-                <a:sym typeface="メイリオ"/>
-              </a:defRPr>
-            </a:pPr>
-            <a:r>
-              <a:t>コミット「日時選択ダイアログを実装」</a:t>
-            </a:r>
-          </a:p>
-          <a:p>
-            <a:pPr marL="342900" indent="-342900" defTabSz="457200">
-              <a:spcBef>
-                <a:spcPts val="1000"/>
-              </a:spcBef>
-              <a:defRPr sz="2100">
-                <a:solidFill>
-                  <a:srgbClr val="404040"/>
-                </a:solidFill>
-                <a:latin typeface="メイリオ"/>
-                <a:ea typeface="メイリオ"/>
-                <a:cs typeface="メイリオ"/>
-                <a:sym typeface="メイリオ"/>
-              </a:defRPr>
-            </a:pPr>
-          </a:p>
-          <a:p>
-            <a:pPr marL="342900" indent="-342900" defTabSz="457200">
-              <a:spcBef>
-                <a:spcPts val="1000"/>
-              </a:spcBef>
-              <a:defRPr sz="2100">
-                <a:solidFill>
-                  <a:srgbClr val="404040"/>
-                </a:solidFill>
-                <a:latin typeface="メイリオ"/>
-                <a:ea typeface="メイリオ"/>
-                <a:cs typeface="メイリオ"/>
-                <a:sym typeface="メイリオ"/>
-              </a:defRPr>
-            </a:pPr>
-            <a:r>
-              <a:t>ReactのStateについて</a:t>
-            </a:r>
-          </a:p>
-          <a:p>
-            <a:pPr marL="342900" indent="-342900" defTabSz="457200">
-              <a:spcBef>
-                <a:spcPts val="1000"/>
-              </a:spcBef>
-              <a:defRPr sz="2100" u="sng">
-                <a:solidFill>
-                  <a:srgbClr val="99CA3C"/>
-                </a:solidFill>
-                <a:uFill>
-                  <a:solidFill>
-                    <a:srgbClr val="99CA3C"/>
-                  </a:solidFill>
-                </a:uFill>
-                <a:latin typeface="メイリオ"/>
-                <a:ea typeface="メイリオ"/>
-                <a:cs typeface="メイリオ"/>
-                <a:sym typeface="メイリオ"/>
-              </a:defRPr>
-            </a:pPr>
-            <a:r>
-              <a:rPr>
-                <a:solidFill>
-                  <a:srgbClr val="0000FF"/>
-                </a:solidFill>
-                <a:uFill>
-                  <a:solidFill>
-                    <a:srgbClr val="0000FF"/>
-                  </a:solidFill>
-                </a:uFill>
-                <a:hlinkClick r:id="rId2" invalidUrl="" action="" tgtFrame="" tooltip="" history="1" highlightClick="0" endSnd="0"/>
-              </a:rPr>
-              <a:t>https://qiita.com/sekikawa_a/items/8ab70f457ef73871419f</a:t>
-            </a:r>
-            <a:endParaRPr>
-              <a:solidFill>
-                <a:srgbClr val="404040"/>
-              </a:solidFill>
-            </a:endParaRPr>
-          </a:p>
-          <a:p>
-            <a:pPr marL="342900" indent="-342900" defTabSz="457200">
-              <a:spcBef>
-                <a:spcPts val="1000"/>
-              </a:spcBef>
-              <a:defRPr sz="2100">
-                <a:solidFill>
-                  <a:srgbClr val="404040"/>
-                </a:solidFill>
-                <a:latin typeface="メイリオ"/>
-                <a:ea typeface="メイリオ"/>
-                <a:cs typeface="メイリオ"/>
-                <a:sym typeface="メイリオ"/>
-              </a:defRPr>
-            </a:pPr>
-          </a:p>
-          <a:p>
-            <a:pPr marL="342900" indent="-342900" defTabSz="457200">
-              <a:spcBef>
-                <a:spcPts val="1000"/>
-              </a:spcBef>
-              <a:defRPr sz="2100">
-                <a:solidFill>
-                  <a:srgbClr val="404040"/>
-                </a:solidFill>
-                <a:latin typeface="メイリオ"/>
-                <a:ea typeface="メイリオ"/>
-                <a:cs typeface="メイリオ"/>
-                <a:sym typeface="メイリオ"/>
-              </a:defRPr>
-            </a:pPr>
-            <a:r>
-              <a:t>今回使用するDateTimePicker（別の物を使用しても良いです。）</a:t>
-            </a:r>
-          </a:p>
-          <a:p>
-            <a:pPr marL="342900" indent="-342900" defTabSz="457200">
-              <a:spcBef>
-                <a:spcPts val="1000"/>
-              </a:spcBef>
-              <a:defRPr sz="2100" u="sng">
-                <a:solidFill>
-                  <a:srgbClr val="99CA3C"/>
-                </a:solidFill>
-                <a:uFill>
-                  <a:solidFill>
-                    <a:srgbClr val="99CA3C"/>
-                  </a:solidFill>
-                </a:uFill>
-                <a:latin typeface="メイリオ"/>
-                <a:ea typeface="メイリオ"/>
-                <a:cs typeface="メイリオ"/>
-                <a:sym typeface="メイリオ"/>
-              </a:defRPr>
-            </a:pPr>
-            <a:r>
-              <a:rPr>
-                <a:solidFill>
-                  <a:srgbClr val="0000FF"/>
-                </a:solidFill>
-                <a:uFill>
-                  <a:solidFill>
-                    <a:srgbClr val="0000FF"/>
-                  </a:solidFill>
-                </a:uFill>
-                <a:hlinkClick r:id="rId3" invalidUrl="" action="" tgtFrame="" tooltip="" history="1" highlightClick="0" endSnd="0"/>
-              </a:rPr>
-              <a:t>https://github.com/mmazzarolo/react-native-modal-datetime-picker</a:t>
-            </a:r>
-            <a:endParaRPr>
-              <a:solidFill>
-                <a:srgbClr val="404040"/>
-              </a:solidFill>
-            </a:endParaRPr>
-          </a:p>
-          <a:p>
-            <a:pPr marL="342900" indent="-342900" defTabSz="457200">
-              <a:spcBef>
-                <a:spcPts val="1000"/>
-              </a:spcBef>
-              <a:defRPr sz="2100">
-                <a:solidFill>
-                  <a:srgbClr val="404040"/>
-                </a:solidFill>
-                <a:latin typeface="メイリオ"/>
-                <a:ea typeface="メイリオ"/>
-                <a:cs typeface="メイリオ"/>
-                <a:sym typeface="メイリオ"/>
-              </a:defRPr>
-            </a:pPr>
-          </a:p>
-          <a:p>
-            <a:pPr marL="342900" indent="-342900" defTabSz="457200">
-              <a:spcBef>
-                <a:spcPts val="1000"/>
-              </a:spcBef>
-              <a:defRPr sz="2100">
-                <a:solidFill>
-                  <a:srgbClr val="404040"/>
-                </a:solidFill>
-                <a:latin typeface="メイリオ"/>
-                <a:ea typeface="メイリオ"/>
-                <a:cs typeface="メイリオ"/>
-                <a:sym typeface="メイリオ"/>
-              </a:defRPr>
-            </a:pPr>
-            <a:r>
-              <a:t>Moment.jsについて</a:t>
-            </a:r>
-          </a:p>
-          <a:p>
-            <a:pPr marL="342900" indent="-342900" defTabSz="457200">
-              <a:spcBef>
-                <a:spcPts val="1000"/>
-              </a:spcBef>
-              <a:defRPr sz="2100" u="sng">
-                <a:solidFill>
-                  <a:srgbClr val="99CA3C"/>
-                </a:solidFill>
-                <a:uFill>
-                  <a:solidFill>
-                    <a:srgbClr val="99CA3C"/>
-                  </a:solidFill>
-                </a:uFill>
-                <a:latin typeface="メイリオ"/>
-                <a:ea typeface="メイリオ"/>
-                <a:cs typeface="メイリオ"/>
-                <a:sym typeface="メイリオ"/>
-              </a:defRPr>
-            </a:pPr>
-            <a:r>
-              <a:rPr>
-                <a:solidFill>
-                  <a:srgbClr val="0000FF"/>
-                </a:solidFill>
-                <a:uFill>
-                  <a:solidFill>
-                    <a:srgbClr val="0000FF"/>
-                  </a:solidFill>
-                </a:uFill>
-                <a:hlinkClick r:id="rId4" invalidUrl="" action="" tgtFrame="" tooltip="" history="1" highlightClick="0" endSnd="0"/>
-              </a:rPr>
-              <a:t>https://qiita.com/osakanafish/items/5ef636bbcb2c3ef94953</a:t>
-            </a:r>
-            <a:endParaRPr>
-              <a:solidFill>
-                <a:srgbClr val="404040"/>
-              </a:solidFill>
-            </a:endParaRPr>
-          </a:p>
-          <a:p>
-            <a:pPr marL="342900" indent="-342900" defTabSz="457200">
-              <a:spcBef>
-                <a:spcPts val="1000"/>
-              </a:spcBef>
-              <a:defRPr sz="2100">
-                <a:solidFill>
-                  <a:srgbClr val="404040"/>
-                </a:solidFill>
-                <a:latin typeface="メイリオ"/>
-                <a:ea typeface="メイリオ"/>
-                <a:cs typeface="メイリオ"/>
-                <a:sym typeface="メイリオ"/>
-              </a:defRPr>
-            </a:pPr>
+              </a:defRPr>
+            </a:lvl1pPr>
+          </a:lstStyle>
+          <a:p>
+            <a:pPr/>
+            <a:r>
+              <a:t>ビルド方法の紹介</a:t>
+            </a:r>
           </a:p>
         </p:txBody>
       </p:sp>
@@ -22052,7 +21596,7 @@
       </p:grpSpPr>
       <p:sp>
         <p:nvSpPr>
-          <p:cNvPr id="448" name="タイトル 1"/>
+          <p:cNvPr id="446" name="タイトル 1"/>
           <p:cNvSpPr txBox="1"/>
           <p:nvPr>
             <p:ph type="title"/>
@@ -22072,28 +21616,17 @@
           <a:lstStyle/>
           <a:p>
             <a:pPr defTabSz="452627">
-              <a:defRPr sz="2300"/>
-            </a:pPr>
-            <a:r>
-              <a:t>TODO</a:t>
-            </a:r>
-            <a:r>
-              <a:rPr>
-                <a:latin typeface="+mj-lt"/>
-                <a:ea typeface="+mj-ea"/>
-                <a:cs typeface="+mj-cs"/>
-                <a:sym typeface="Helvetica"/>
-              </a:rPr>
-              <a:t>管理用の付箋アプリを作る</a:t>
-            </a:r>
-            <a:br>
-              <a:rPr>
-                <a:latin typeface="+mj-lt"/>
-                <a:ea typeface="+mj-ea"/>
-                <a:cs typeface="+mj-cs"/>
-                <a:sym typeface="Helvetica"/>
-              </a:rPr>
-            </a:br>
+              <a:defRPr sz="2300">
+                <a:latin typeface="+mj-lt"/>
+                <a:ea typeface="+mj-ea"/>
+                <a:cs typeface="+mj-cs"/>
+                <a:sym typeface="Helvetica"/>
+              </a:defRPr>
+            </a:pPr>
+            <a:r>
+              <a:t>ビルド方法の紹介</a:t>
+            </a:r>
+            <a:br/>
             <a:r>
               <a:rPr sz="3900">
                 <a:latin typeface="メイリオ"/>
@@ -22101,126 +21634,96 @@
                 <a:cs typeface="メイリオ"/>
                 <a:sym typeface="メイリオ"/>
               </a:rPr>
-              <a:t>追加処理</a:t>
+              <a:t>ソースコードをダウンロード</a:t>
             </a:r>
           </a:p>
         </p:txBody>
       </p:sp>
       <p:sp>
         <p:nvSpPr>
-          <p:cNvPr id="449" name="コンテンツ プレースホルダー 2"/>
+          <p:cNvPr id="447" name="コンテンツ プレースホルダー 2"/>
           <p:cNvSpPr txBox="1"/>
-          <p:nvPr/>
+          <p:nvPr>
+            <p:ph type="body" idx="1"/>
+          </p:nvPr>
         </p:nvSpPr>
         <p:spPr>
           <a:xfrm>
-            <a:off x="677332" y="1430038"/>
-            <a:ext cx="10312094" cy="1964690"/>
+            <a:off x="677333" y="1388224"/>
+            <a:ext cx="8596670" cy="4653138"/>
           </a:xfrm>
           <a:prstGeom prst="rect">
             <a:avLst/>
           </a:prstGeom>
-          <a:ln w="12700">
-            <a:miter lim="400000"/>
-          </a:ln>
-          <a:extLst>
-            <a:ext uri="{C572A759-6A51-4108-AA02-DFA0A04FC94B}">
-              <ma14:wrappingTextBoxFlag xmlns:ma14="http://schemas.microsoft.com/office/mac/drawingml/2011/main" val="1"/>
-            </a:ext>
-          </a:extLst>
         </p:spPr>
         <p:txBody>
-          <a:bodyPr lIns="45718" tIns="45718" rIns="45718" bIns="45718">
-            <a:spAutoFit/>
-          </a:bodyPr>
+          <a:bodyPr/>
           <a:lstStyle/>
           <a:p>
-            <a:pPr marL="342900" indent="-342900" defTabSz="457200">
-              <a:spcBef>
-                <a:spcPts val="1000"/>
-              </a:spcBef>
-              <a:defRPr sz="2100">
-                <a:solidFill>
-                  <a:srgbClr val="404040"/>
-                </a:solidFill>
+            <a:pPr marL="0" indent="0">
+              <a:lnSpc>
+                <a:spcPct val="150000"/>
+              </a:lnSpc>
+              <a:buSzTx/>
+              <a:buNone/>
+              <a:defRPr sz="2000"/>
+            </a:pPr>
+            <a:r>
+              <a:t>Snack</a:t>
+            </a:r>
+            <a:r>
+              <a:rPr>
                 <a:latin typeface="メイリオ"/>
                 <a:ea typeface="メイリオ"/>
                 <a:cs typeface="メイリオ"/>
                 <a:sym typeface="メイリオ"/>
-              </a:defRPr>
-            </a:pPr>
-            <a:r>
-              <a:t>コミット「追加処理を実装」</a:t>
-            </a:r>
-          </a:p>
-          <a:p>
-            <a:pPr marL="342900" indent="-342900" defTabSz="457200">
-              <a:spcBef>
-                <a:spcPts val="1000"/>
-              </a:spcBef>
-              <a:defRPr sz="2100">
-                <a:solidFill>
-                  <a:srgbClr val="404040"/>
-                </a:solidFill>
+              </a:rPr>
+              <a:t>の「</a:t>
+            </a:r>
+            <a:r>
+              <a:t>export</a:t>
+            </a:r>
+            <a:r>
+              <a:rPr>
                 <a:latin typeface="メイリオ"/>
                 <a:ea typeface="メイリオ"/>
                 <a:cs typeface="メイリオ"/>
                 <a:sym typeface="メイリオ"/>
-              </a:defRPr>
-            </a:pPr>
-          </a:p>
-          <a:p>
-            <a:pPr marL="342900" indent="-342900" defTabSz="457200">
-              <a:spcBef>
-                <a:spcPts val="1000"/>
-              </a:spcBef>
-              <a:defRPr sz="2100">
-                <a:solidFill>
-                  <a:srgbClr val="404040"/>
-                </a:solidFill>
+              </a:rPr>
+              <a:t>」ボタンからこれまで</a:t>
+            </a:r>
+            <a:r>
+              <a:t>Snack</a:t>
+            </a:r>
+            <a:r>
+              <a:rPr>
                 <a:latin typeface="メイリオ"/>
                 <a:ea typeface="メイリオ"/>
                 <a:cs typeface="メイリオ"/>
                 <a:sym typeface="メイリオ"/>
-              </a:defRPr>
-            </a:pPr>
-            <a:r>
-              <a:t>UUIDv4について</a:t>
-            </a:r>
-          </a:p>
-          <a:p>
-            <a:pPr marL="342900" indent="-342900" defTabSz="457200">
-              <a:spcBef>
-                <a:spcPts val="1000"/>
-              </a:spcBef>
-              <a:defRPr sz="2100" u="sng">
-                <a:solidFill>
-                  <a:srgbClr val="99CA3C"/>
-                </a:solidFill>
-                <a:uFill>
-                  <a:solidFill>
-                    <a:srgbClr val="99CA3C"/>
-                  </a:solidFill>
-                </a:uFill>
-                <a:latin typeface="メイリオ"/>
-                <a:ea typeface="メイリオ"/>
-                <a:cs typeface="メイリオ"/>
-                <a:sym typeface="メイリオ"/>
-              </a:defRPr>
-            </a:pPr>
+              </a:rPr>
+              <a:t>上で実装してきたソースコードをローカルにダウンロードする</a:t>
+            </a:r>
             <a:r>
               <a:rPr>
-                <a:solidFill>
-                  <a:srgbClr val="0000FF"/>
-                </a:solidFill>
-                <a:uFill>
-                  <a:solidFill>
-                    <a:srgbClr val="0000FF"/>
-                  </a:solidFill>
-                </a:uFill>
-                <a:hlinkClick r:id="rId2" invalidUrl="" action="" tgtFrame="" tooltip="" history="1" highlightClick="0" endSnd="0"/>
+                <a:latin typeface="+mj-lt"/>
+                <a:ea typeface="+mj-ea"/>
+                <a:cs typeface="+mj-cs"/>
+                <a:sym typeface="Helvetica"/>
               </a:rPr>
-              <a:t>https://qiita.com/ta_ta_ta_miya/items/1f8f71db3c1bf2dfb7ea</a:t>
+              <a:t>。（</a:t>
+            </a:r>
+            <a:r>
+              <a:t>zip</a:t>
+            </a:r>
+            <a:r>
+              <a:rPr>
+                <a:latin typeface="+mj-lt"/>
+                <a:ea typeface="+mj-ea"/>
+                <a:cs typeface="+mj-cs"/>
+                <a:sym typeface="Helvetica"/>
+              </a:rPr>
+              <a:t>形式）</a:t>
             </a:r>
           </a:p>
         </p:txBody>
@@ -22253,70 +21756,7 @@
       </p:grpSpPr>
       <p:sp>
         <p:nvSpPr>
-          <p:cNvPr id="451" name="タイトル 1"/>
-          <p:cNvSpPr txBox="1"/>
-          <p:nvPr>
-            <p:ph type="title"/>
-          </p:nvPr>
-        </p:nvSpPr>
-        <p:spPr>
-          <a:xfrm>
-            <a:off x="77931" y="2652104"/>
-            <a:ext cx="10432475" cy="781399"/>
-          </a:xfrm>
-          <a:prstGeom prst="rect">
-            <a:avLst/>
-          </a:prstGeom>
-        </p:spPr>
-        <p:txBody>
-          <a:bodyPr/>
-          <a:lstStyle>
-            <a:lvl1pPr algn="ctr">
-              <a:defRPr sz="4800">
-                <a:latin typeface="メイリオ"/>
-                <a:ea typeface="メイリオ"/>
-                <a:cs typeface="メイリオ"/>
-                <a:sym typeface="メイリオ"/>
-              </a:defRPr>
-            </a:lvl1pPr>
-          </a:lstStyle>
-          <a:p>
-            <a:pPr/>
-            <a:r>
-              <a:t>ビルド方法の紹介</a:t>
-            </a:r>
-          </a:p>
-        </p:txBody>
-      </p:sp>
-    </p:spTree>
-  </p:cSld>
-  <p:clrMapOvr>
-    <a:masterClrMapping/>
-  </p:clrMapOvr>
-  <p:transition xmlns:p14="http://schemas.microsoft.com/office/powerpoint/2010/main" spd="med" advClick="1"/>
-</p:sld>
-</file>
-
-<file path=ppt/slides/slide68.xml><?xml version="1.0" encoding="utf-8"?>
-<p:sld xmlns:a="http://schemas.openxmlformats.org/drawingml/2006/main" xmlns:r="http://schemas.openxmlformats.org/officeDocument/2006/relationships" xmlns:p="http://schemas.openxmlformats.org/presentationml/2006/main" xmlns:m="http://schemas.openxmlformats.org/officeDocument/2006/math" xmlns:a14="http://schemas.microsoft.com/office/drawing/2010/main" showMasterSp="1" showMasterPhAnim="1">
-  <p:cSld>
-    <p:spTree>
-      <p:nvGrpSpPr>
-        <p:cNvPr id="1" name=""/>
-        <p:cNvGrpSpPr/>
-        <p:nvPr/>
-      </p:nvGrpSpPr>
-      <p:grpSpPr>
-        <a:xfrm>
-          <a:off x="0" y="0"/>
-          <a:ext cx="0" cy="0"/>
-          <a:chOff x="0" y="0"/>
-          <a:chExt cx="0" cy="0"/>
-        </a:xfrm>
-      </p:grpSpPr>
-      <p:sp>
-        <p:nvSpPr>
-          <p:cNvPr id="453" name="タイトル 1"/>
+          <p:cNvPr id="449" name="タイトル 1"/>
           <p:cNvSpPr txBox="1"/>
           <p:nvPr>
             <p:ph type="title"/>
@@ -22335,8 +21775,8 @@
           <a:bodyPr/>
           <a:lstStyle/>
           <a:p>
-            <a:pPr defTabSz="452627">
-              <a:defRPr sz="2300">
+            <a:pPr defTabSz="420623">
+              <a:defRPr sz="2200">
                 <a:latin typeface="+mj-lt"/>
                 <a:ea typeface="+mj-ea"/>
                 <a:cs typeface="+mj-cs"/>
@@ -22348,20 +21788,20 @@
             </a:r>
             <a:br/>
             <a:r>
-              <a:rPr sz="3900">
+              <a:rPr sz="3600">
                 <a:latin typeface="メイリオ"/>
                 <a:ea typeface="メイリオ"/>
                 <a:cs typeface="メイリオ"/>
                 <a:sym typeface="メイリオ"/>
               </a:rPr>
-              <a:t>ソースコードをダウンロード</a:t>
+              <a:t>npm install</a:t>
             </a:r>
           </a:p>
         </p:txBody>
       </p:sp>
       <p:sp>
         <p:nvSpPr>
-          <p:cNvPr id="454" name="コンテンツ プレースホルダー 2"/>
+          <p:cNvPr id="450" name="コンテンツ プレースホルダー 2"/>
           <p:cNvSpPr txBox="1"/>
           <p:nvPr>
             <p:ph type="body" idx="1"/>
@@ -22386,166 +21826,6 @@
               </a:lnSpc>
               <a:buSzTx/>
               <a:buNone/>
-              <a:defRPr sz="2000"/>
-            </a:pPr>
-            <a:r>
-              <a:t>Snack</a:t>
-            </a:r>
-            <a:r>
-              <a:rPr>
-                <a:latin typeface="メイリオ"/>
-                <a:ea typeface="メイリオ"/>
-                <a:cs typeface="メイリオ"/>
-                <a:sym typeface="メイリオ"/>
-              </a:rPr>
-              <a:t>の「</a:t>
-            </a:r>
-            <a:r>
-              <a:t>export</a:t>
-            </a:r>
-            <a:r>
-              <a:rPr>
-                <a:latin typeface="メイリオ"/>
-                <a:ea typeface="メイリオ"/>
-                <a:cs typeface="メイリオ"/>
-                <a:sym typeface="メイリオ"/>
-              </a:rPr>
-              <a:t>」ボタンからこれまで</a:t>
-            </a:r>
-            <a:r>
-              <a:t>Snack</a:t>
-            </a:r>
-            <a:r>
-              <a:rPr>
-                <a:latin typeface="メイリオ"/>
-                <a:ea typeface="メイリオ"/>
-                <a:cs typeface="メイリオ"/>
-                <a:sym typeface="メイリオ"/>
-              </a:rPr>
-              <a:t>上で実装してきたソースコードをローカルにダウンロードする</a:t>
-            </a:r>
-            <a:r>
-              <a:rPr>
-                <a:latin typeface="+mj-lt"/>
-                <a:ea typeface="+mj-ea"/>
-                <a:cs typeface="+mj-cs"/>
-                <a:sym typeface="Helvetica"/>
-              </a:rPr>
-              <a:t>。（</a:t>
-            </a:r>
-            <a:r>
-              <a:t>zip</a:t>
-            </a:r>
-            <a:r>
-              <a:rPr>
-                <a:latin typeface="+mj-lt"/>
-                <a:ea typeface="+mj-ea"/>
-                <a:cs typeface="+mj-cs"/>
-                <a:sym typeface="Helvetica"/>
-              </a:rPr>
-              <a:t>形式）</a:t>
-            </a:r>
-          </a:p>
-        </p:txBody>
-      </p:sp>
-    </p:spTree>
-  </p:cSld>
-  <p:clrMapOvr>
-    <a:masterClrMapping/>
-  </p:clrMapOvr>
-  <p:transition xmlns:p14="http://schemas.microsoft.com/office/powerpoint/2010/main" spd="med" advClick="1"/>
-</p:sld>
-</file>
-
-<file path=ppt/slides/slide69.xml><?xml version="1.0" encoding="utf-8"?>
-<p:sld xmlns:a="http://schemas.openxmlformats.org/drawingml/2006/main" xmlns:r="http://schemas.openxmlformats.org/officeDocument/2006/relationships" xmlns:p="http://schemas.openxmlformats.org/presentationml/2006/main" xmlns:m="http://schemas.openxmlformats.org/officeDocument/2006/math" xmlns:a14="http://schemas.microsoft.com/office/drawing/2010/main" showMasterSp="1" showMasterPhAnim="1">
-  <p:cSld>
-    <p:spTree>
-      <p:nvGrpSpPr>
-        <p:cNvPr id="1" name=""/>
-        <p:cNvGrpSpPr/>
-        <p:nvPr/>
-      </p:nvGrpSpPr>
-      <p:grpSpPr>
-        <a:xfrm>
-          <a:off x="0" y="0"/>
-          <a:ext cx="0" cy="0"/>
-          <a:chOff x="0" y="0"/>
-          <a:chExt cx="0" cy="0"/>
-        </a:xfrm>
-      </p:grpSpPr>
-      <p:sp>
-        <p:nvSpPr>
-          <p:cNvPr id="456" name="タイトル 1"/>
-          <p:cNvSpPr txBox="1"/>
-          <p:nvPr>
-            <p:ph type="title"/>
-          </p:nvPr>
-        </p:nvSpPr>
-        <p:spPr>
-          <a:xfrm>
-            <a:off x="677333" y="199505"/>
-            <a:ext cx="8596670" cy="1105593"/>
-          </a:xfrm>
-          <a:prstGeom prst="rect">
-            <a:avLst/>
-          </a:prstGeom>
-        </p:spPr>
-        <p:txBody>
-          <a:bodyPr/>
-          <a:lstStyle/>
-          <a:p>
-            <a:pPr defTabSz="420623">
-              <a:defRPr sz="2200">
-                <a:latin typeface="+mj-lt"/>
-                <a:ea typeface="+mj-ea"/>
-                <a:cs typeface="+mj-cs"/>
-                <a:sym typeface="Helvetica"/>
-              </a:defRPr>
-            </a:pPr>
-            <a:r>
-              <a:t>ビルド方法の紹介</a:t>
-            </a:r>
-            <a:br/>
-            <a:r>
-              <a:rPr sz="3600">
-                <a:latin typeface="メイリオ"/>
-                <a:ea typeface="メイリオ"/>
-                <a:cs typeface="メイリオ"/>
-                <a:sym typeface="メイリオ"/>
-              </a:rPr>
-              <a:t>npm install</a:t>
-            </a:r>
-          </a:p>
-        </p:txBody>
-      </p:sp>
-      <p:sp>
-        <p:nvSpPr>
-          <p:cNvPr id="457" name="コンテンツ プレースホルダー 2"/>
-          <p:cNvSpPr txBox="1"/>
-          <p:nvPr>
-            <p:ph type="body" idx="1"/>
-          </p:nvPr>
-        </p:nvSpPr>
-        <p:spPr>
-          <a:xfrm>
-            <a:off x="677333" y="1388224"/>
-            <a:ext cx="8596670" cy="4653138"/>
-          </a:xfrm>
-          <a:prstGeom prst="rect">
-            <a:avLst/>
-          </a:prstGeom>
-        </p:spPr>
-        <p:txBody>
-          <a:bodyPr/>
-          <a:lstStyle/>
-          <a:p>
-            <a:pPr marL="0" indent="0">
-              <a:lnSpc>
-                <a:spcPct val="150000"/>
-              </a:lnSpc>
-              <a:buSzTx/>
-              <a:buNone/>
               <a:defRPr sz="2000">
                 <a:latin typeface="+mj-lt"/>
                 <a:ea typeface="+mj-ea"/>
@@ -22570,7 +21850,7 @@
       </p:sp>
       <p:sp>
         <p:nvSpPr>
-          <p:cNvPr id="458" name="テキスト ボックス 4"/>
+          <p:cNvPr id="451" name="テキスト ボックス 4"/>
           <p:cNvSpPr txBox="1"/>
           <p:nvPr/>
         </p:nvSpPr>
@@ -22615,7 +21895,7 @@
       </p:sp>
       <p:sp>
         <p:nvSpPr>
-          <p:cNvPr id="459" name="正方形/長方形 3"/>
+          <p:cNvPr id="452" name="正方形/長方形 3"/>
           <p:cNvSpPr txBox="1"/>
           <p:nvPr/>
         </p:nvSpPr>
@@ -22739,6 +22019,619 @@
                 <a:hlinkClick r:id="rId3" invalidUrl="" action="" tgtFrame="" tooltip="" history="1" highlightClick="0" endSnd="0"/>
               </a:rPr>
               <a:t>https://techacademy.jp/magazine/16105</a:t>
+            </a:r>
+          </a:p>
+        </p:txBody>
+      </p:sp>
+    </p:spTree>
+  </p:cSld>
+  <p:clrMapOvr>
+    <a:masterClrMapping/>
+  </p:clrMapOvr>
+  <p:transition xmlns:p14="http://schemas.microsoft.com/office/powerpoint/2010/main" spd="med" advClick="1"/>
+</p:sld>
+</file>
+
+<file path=ppt/slides/slide68.xml><?xml version="1.0" encoding="utf-8"?>
+<p:sld xmlns:a="http://schemas.openxmlformats.org/drawingml/2006/main" xmlns:r="http://schemas.openxmlformats.org/officeDocument/2006/relationships" xmlns:p="http://schemas.openxmlformats.org/presentationml/2006/main" xmlns:m="http://schemas.openxmlformats.org/officeDocument/2006/math" xmlns:a14="http://schemas.microsoft.com/office/drawing/2010/main" showMasterSp="1" showMasterPhAnim="1">
+  <p:cSld>
+    <p:spTree>
+      <p:nvGrpSpPr>
+        <p:cNvPr id="1" name=""/>
+        <p:cNvGrpSpPr/>
+        <p:nvPr/>
+      </p:nvGrpSpPr>
+      <p:grpSpPr>
+        <a:xfrm>
+          <a:off x="0" y="0"/>
+          <a:ext cx="0" cy="0"/>
+          <a:chOff x="0" y="0"/>
+          <a:chExt cx="0" cy="0"/>
+        </a:xfrm>
+      </p:grpSpPr>
+      <p:sp>
+        <p:nvSpPr>
+          <p:cNvPr id="454" name="タイトル 1"/>
+          <p:cNvSpPr txBox="1"/>
+          <p:nvPr>
+            <p:ph type="title"/>
+          </p:nvPr>
+        </p:nvSpPr>
+        <p:spPr>
+          <a:xfrm>
+            <a:off x="677333" y="199505"/>
+            <a:ext cx="8596670" cy="1105593"/>
+          </a:xfrm>
+          <a:prstGeom prst="rect">
+            <a:avLst/>
+          </a:prstGeom>
+        </p:spPr>
+        <p:txBody>
+          <a:bodyPr/>
+          <a:lstStyle/>
+          <a:p>
+            <a:pPr defTabSz="420623">
+              <a:defRPr sz="2200">
+                <a:latin typeface="+mj-lt"/>
+                <a:ea typeface="+mj-ea"/>
+                <a:cs typeface="+mj-cs"/>
+                <a:sym typeface="Helvetica"/>
+              </a:defRPr>
+            </a:pPr>
+            <a:r>
+              <a:t>ビルド方法の紹介</a:t>
+            </a:r>
+            <a:br/>
+            <a:r>
+              <a:rPr sz="3600">
+                <a:latin typeface="メイリオ"/>
+                <a:ea typeface="メイリオ"/>
+                <a:cs typeface="メイリオ"/>
+                <a:sym typeface="メイリオ"/>
+              </a:rPr>
+              <a:t>CLI（expコマンド）からビルド</a:t>
+            </a:r>
+          </a:p>
+        </p:txBody>
+      </p:sp>
+      <p:sp>
+        <p:nvSpPr>
+          <p:cNvPr id="455" name="コンテンツ プレースホルダー 2"/>
+          <p:cNvSpPr txBox="1"/>
+          <p:nvPr>
+            <p:ph type="body" idx="1"/>
+          </p:nvPr>
+        </p:nvSpPr>
+        <p:spPr>
+          <a:xfrm>
+            <a:off x="677333" y="1388224"/>
+            <a:ext cx="8596670" cy="4653138"/>
+          </a:xfrm>
+          <a:prstGeom prst="rect">
+            <a:avLst/>
+          </a:prstGeom>
+        </p:spPr>
+        <p:txBody>
+          <a:bodyPr/>
+          <a:lstStyle/>
+          <a:p>
+            <a:pPr marL="0" indent="0">
+              <a:lnSpc>
+                <a:spcPct val="150000"/>
+              </a:lnSpc>
+              <a:buSzTx/>
+              <a:buNone/>
+              <a:defRPr sz="2000"/>
+            </a:pPr>
+            <a:r>
+              <a:t>exp</a:t>
+            </a:r>
+            <a:r>
+              <a:rPr>
+                <a:latin typeface="+mj-lt"/>
+                <a:ea typeface="+mj-ea"/>
+                <a:cs typeface="+mj-cs"/>
+                <a:sym typeface="Helvetica"/>
+              </a:rPr>
+              <a:t>という</a:t>
+            </a:r>
+            <a:r>
+              <a:rPr>
+                <a:latin typeface="メイリオ"/>
+                <a:ea typeface="メイリオ"/>
+                <a:cs typeface="メイリオ"/>
+                <a:sym typeface="メイリオ"/>
+              </a:rPr>
+              <a:t>expoが提供するモジュールがある</a:t>
+            </a:r>
+          </a:p>
+          <a:p>
+            <a:pPr marL="0" indent="0">
+              <a:lnSpc>
+                <a:spcPct val="150000"/>
+              </a:lnSpc>
+              <a:buSzTx/>
+              <a:buNone/>
+              <a:defRPr sz="2000">
+                <a:latin typeface="メイリオ"/>
+                <a:ea typeface="メイリオ"/>
+                <a:cs typeface="メイリオ"/>
+                <a:sym typeface="メイリオ"/>
+              </a:defRPr>
+            </a:pPr>
+            <a:r>
+              <a:t>↓ドキュメント</a:t>
+            </a:r>
+          </a:p>
+          <a:p>
+            <a:pPr marL="0" indent="0">
+              <a:lnSpc>
+                <a:spcPct val="150000"/>
+              </a:lnSpc>
+              <a:buSzTx/>
+              <a:buNone/>
+              <a:defRPr sz="2000" u="sng">
+                <a:solidFill>
+                  <a:srgbClr val="99CA3C"/>
+                </a:solidFill>
+                <a:uFill>
+                  <a:solidFill>
+                    <a:srgbClr val="99CA3C"/>
+                  </a:solidFill>
+                </a:uFill>
+              </a:defRPr>
+            </a:pPr>
+            <a:r>
+              <a:rPr>
+                <a:solidFill>
+                  <a:srgbClr val="0000FF"/>
+                </a:solidFill>
+                <a:uFill>
+                  <a:solidFill>
+                    <a:srgbClr val="0000FF"/>
+                  </a:solidFill>
+                </a:uFill>
+                <a:hlinkClick r:id="rId2" invalidUrl="" action="" tgtFrame="" tooltip="" history="1" highlightClick="0" endSnd="0"/>
+              </a:rPr>
+              <a:t>https://docs.expo.io/versions/latest/workflow/expo-cli/</a:t>
+            </a:r>
+          </a:p>
+          <a:p>
+            <a:pPr marL="0" indent="0">
+              <a:lnSpc>
+                <a:spcPct val="150000"/>
+              </a:lnSpc>
+              <a:buSzTx/>
+              <a:buNone/>
+              <a:defRPr sz="2000">
+                <a:latin typeface="+mj-lt"/>
+                <a:ea typeface="+mj-ea"/>
+                <a:cs typeface="+mj-cs"/>
+                <a:sym typeface="Helvetica"/>
+              </a:defRPr>
+            </a:pPr>
+            <a:r>
+              <a:t>以下のコマンドでインストール</a:t>
+            </a:r>
+          </a:p>
+        </p:txBody>
+      </p:sp>
+      <p:sp>
+        <p:nvSpPr>
+          <p:cNvPr id="456" name="テキスト ボックス 3"/>
+          <p:cNvSpPr txBox="1"/>
+          <p:nvPr/>
+        </p:nvSpPr>
+        <p:spPr>
+          <a:xfrm>
+            <a:off x="745067" y="4327867"/>
+            <a:ext cx="2966161" cy="656361"/>
+          </a:xfrm>
+          <a:prstGeom prst="rect">
+            <a:avLst/>
+          </a:prstGeom>
+          <a:solidFill>
+            <a:srgbClr val="FAF1D2"/>
+          </a:solidFill>
+          <a:ln>
+            <a:solidFill>
+              <a:srgbClr val="000000"/>
+            </a:solidFill>
+          </a:ln>
+          <a:extLst>
+            <a:ext uri="{C572A759-6A51-4108-AA02-DFA0A04FC94B}">
+              <ma14:wrappingTextBoxFlag xmlns:ma14="http://schemas.microsoft.com/office/mac/drawingml/2011/main" val="1"/>
+            </a:ext>
+          </a:extLst>
+        </p:spPr>
+        <p:txBody>
+          <a:bodyPr lIns="45718" tIns="45718" rIns="45718" bIns="45718" anchor="ctr">
+            <a:spAutoFit/>
+          </a:bodyPr>
+          <a:lstStyle>
+            <a:lvl1pPr algn="ctr" defTabSz="457200">
+              <a:lnSpc>
+                <a:spcPts val="4800"/>
+              </a:lnSpc>
+              <a:defRPr sz="2400">
+                <a:ln w="3175" cap="flat">
+                  <a:solidFill>
+                    <a:srgbClr val="000020">
+                      <a:alpha val="80000"/>
+                    </a:srgbClr>
+                  </a:solidFill>
+                  <a:prstDash val="solid"/>
+                  <a:miter lim="400000"/>
+                </a:ln>
+              </a:defRPr>
+            </a:lvl1pPr>
+          </a:lstStyle>
+          <a:p>
+            <a:pPr/>
+            <a:r>
+              <a:t>npm i -g expo-cli</a:t>
+            </a:r>
+          </a:p>
+        </p:txBody>
+      </p:sp>
+    </p:spTree>
+  </p:cSld>
+  <p:clrMapOvr>
+    <a:masterClrMapping/>
+  </p:clrMapOvr>
+  <p:transition xmlns:p14="http://schemas.microsoft.com/office/powerpoint/2010/main" spd="med" advClick="1"/>
+</p:sld>
+</file>
+
+<file path=ppt/slides/slide69.xml><?xml version="1.0" encoding="utf-8"?>
+<p:sld xmlns:a="http://schemas.openxmlformats.org/drawingml/2006/main" xmlns:r="http://schemas.openxmlformats.org/officeDocument/2006/relationships" xmlns:p="http://schemas.openxmlformats.org/presentationml/2006/main" xmlns:m="http://schemas.openxmlformats.org/officeDocument/2006/math" xmlns:a14="http://schemas.microsoft.com/office/drawing/2010/main" showMasterSp="1" showMasterPhAnim="1">
+  <p:cSld>
+    <p:spTree>
+      <p:nvGrpSpPr>
+        <p:cNvPr id="1" name=""/>
+        <p:cNvGrpSpPr/>
+        <p:nvPr/>
+      </p:nvGrpSpPr>
+      <p:grpSpPr>
+        <a:xfrm>
+          <a:off x="0" y="0"/>
+          <a:ext cx="0" cy="0"/>
+          <a:chOff x="0" y="0"/>
+          <a:chExt cx="0" cy="0"/>
+        </a:xfrm>
+      </p:grpSpPr>
+      <p:sp>
+        <p:nvSpPr>
+          <p:cNvPr id="458" name="タイトル 1"/>
+          <p:cNvSpPr txBox="1"/>
+          <p:nvPr>
+            <p:ph type="title"/>
+          </p:nvPr>
+        </p:nvSpPr>
+        <p:spPr>
+          <a:xfrm>
+            <a:off x="677333" y="199505"/>
+            <a:ext cx="8596670" cy="1105593"/>
+          </a:xfrm>
+          <a:prstGeom prst="rect">
+            <a:avLst/>
+          </a:prstGeom>
+        </p:spPr>
+        <p:txBody>
+          <a:bodyPr/>
+          <a:lstStyle/>
+          <a:p>
+            <a:pPr defTabSz="420623">
+              <a:defRPr sz="2200">
+                <a:latin typeface="+mj-lt"/>
+                <a:ea typeface="+mj-ea"/>
+                <a:cs typeface="+mj-cs"/>
+                <a:sym typeface="Helvetica"/>
+              </a:defRPr>
+            </a:pPr>
+            <a:r>
+              <a:t>ビルド方法の紹介</a:t>
+            </a:r>
+            <a:br/>
+            <a:r>
+              <a:rPr sz="3600">
+                <a:latin typeface="メイリオ"/>
+                <a:ea typeface="メイリオ"/>
+                <a:cs typeface="メイリオ"/>
+                <a:sym typeface="メイリオ"/>
+              </a:rPr>
+              <a:t>CLI（expコマンド）からビルド</a:t>
+            </a:r>
+          </a:p>
+        </p:txBody>
+      </p:sp>
+      <p:sp>
+        <p:nvSpPr>
+          <p:cNvPr id="459" name="コンテンツ プレースホルダー 2"/>
+          <p:cNvSpPr txBox="1"/>
+          <p:nvPr>
+            <p:ph type="body" idx="1"/>
+          </p:nvPr>
+        </p:nvSpPr>
+        <p:spPr>
+          <a:xfrm>
+            <a:off x="677333" y="1388224"/>
+            <a:ext cx="9382860" cy="4653138"/>
+          </a:xfrm>
+          <a:prstGeom prst="rect">
+            <a:avLst/>
+          </a:prstGeom>
+        </p:spPr>
+        <p:txBody>
+          <a:bodyPr/>
+          <a:lstStyle/>
+          <a:p>
+            <a:pPr marL="0" indent="0">
+              <a:lnSpc>
+                <a:spcPct val="150000"/>
+              </a:lnSpc>
+              <a:buSzTx/>
+              <a:buNone/>
+              <a:defRPr sz="2000">
+                <a:latin typeface="メイリオ"/>
+                <a:ea typeface="メイリオ"/>
+                <a:cs typeface="メイリオ"/>
+                <a:sym typeface="メイリオ"/>
+              </a:defRPr>
+            </a:pPr>
+            <a:r>
+              <a:t>APKファイルなどを作成するにはapp.jsonというファイルを作り、アイコンやbundleIdentifierなどの設定を行う必要がある。</a:t>
+            </a:r>
+          </a:p>
+          <a:p>
+            <a:pPr marL="0" indent="0">
+              <a:lnSpc>
+                <a:spcPct val="150000"/>
+              </a:lnSpc>
+              <a:buSzTx/>
+              <a:buNone/>
+              <a:defRPr sz="2000">
+                <a:latin typeface="メイリオ"/>
+                <a:ea typeface="メイリオ"/>
+                <a:cs typeface="メイリオ"/>
+                <a:sym typeface="メイリオ"/>
+              </a:defRPr>
+            </a:pPr>
+            <a:r>
+              <a:t>↓ドキュメント</a:t>
+            </a:r>
+          </a:p>
+          <a:p>
+            <a:pPr>
+              <a:buSzTx/>
+              <a:buNone/>
+              <a:defRPr sz="2000" u="sng">
+                <a:solidFill>
+                  <a:srgbClr val="99CA3C"/>
+                </a:solidFill>
+                <a:uFill>
+                  <a:solidFill>
+                    <a:srgbClr val="99CA3C"/>
+                  </a:solidFill>
+                </a:uFill>
+              </a:defRPr>
+            </a:pPr>
+            <a:r>
+              <a:rPr>
+                <a:solidFill>
+                  <a:srgbClr val="0000FF"/>
+                </a:solidFill>
+                <a:uFill>
+                  <a:solidFill>
+                    <a:srgbClr val="0000FF"/>
+                  </a:solidFill>
+                </a:uFill>
+                <a:hlinkClick r:id="rId2" invalidUrl="" action="" tgtFrame="" tooltip="" history="1" highlightClick="0" endSnd="0"/>
+              </a:rPr>
+              <a:t>https://docs.expo.io/versions/latest/distribution/building-standalone-apps</a:t>
+            </a:r>
+          </a:p>
+          <a:p>
+            <a:pPr>
+              <a:buSzTx/>
+              <a:buNone/>
+              <a:defRPr sz="2000"/>
+            </a:pPr>
+          </a:p>
+          <a:p>
+            <a:pPr>
+              <a:buSzTx/>
+              <a:buNone/>
+              <a:defRPr sz="2000"/>
+            </a:pPr>
+            <a:r>
+              <a:t>expo.io</a:t>
+            </a:r>
+            <a:r>
+              <a:rPr>
+                <a:latin typeface="+mj-lt"/>
+                <a:ea typeface="+mj-ea"/>
+                <a:cs typeface="+mj-cs"/>
+                <a:sym typeface="Helvetica"/>
+              </a:rPr>
+              <a:t>のプロジェクトとして公開：</a:t>
+            </a:r>
+            <a:endParaRPr>
+              <a:latin typeface="+mj-lt"/>
+              <a:ea typeface="+mj-ea"/>
+              <a:cs typeface="+mj-cs"/>
+              <a:sym typeface="Helvetica"/>
+            </a:endParaRPr>
+          </a:p>
+          <a:p>
+            <a:pPr marL="0" indent="0">
+              <a:lnSpc>
+                <a:spcPct val="150000"/>
+              </a:lnSpc>
+              <a:buSzTx/>
+              <a:buNone/>
+              <a:defRPr sz="2000">
+                <a:latin typeface="メイリオ"/>
+                <a:ea typeface="メイリオ"/>
+                <a:cs typeface="メイリオ"/>
+                <a:sym typeface="メイリオ"/>
+              </a:defRPr>
+            </a:pPr>
+            <a:r>
+              <a:t>IPAファイルを作成：</a:t>
+            </a:r>
+          </a:p>
+          <a:p>
+            <a:pPr marL="0" indent="0">
+              <a:lnSpc>
+                <a:spcPct val="150000"/>
+              </a:lnSpc>
+              <a:buSzTx/>
+              <a:buNone/>
+              <a:defRPr sz="2000">
+                <a:latin typeface="メイリオ"/>
+                <a:ea typeface="メイリオ"/>
+                <a:cs typeface="メイリオ"/>
+                <a:sym typeface="メイリオ"/>
+              </a:defRPr>
+            </a:pPr>
+            <a:r>
+              <a:t>APKファイルを作成：</a:t>
+            </a:r>
+          </a:p>
+        </p:txBody>
+      </p:sp>
+      <p:sp>
+        <p:nvSpPr>
+          <p:cNvPr id="460" name="テキスト ボックス 3"/>
+          <p:cNvSpPr txBox="1"/>
+          <p:nvPr/>
+        </p:nvSpPr>
+        <p:spPr>
+          <a:xfrm>
+            <a:off x="5317068" y="4142013"/>
+            <a:ext cx="3214916" cy="456564"/>
+          </a:xfrm>
+          <a:prstGeom prst="rect">
+            <a:avLst/>
+          </a:prstGeom>
+          <a:solidFill>
+            <a:srgbClr val="FAF1D2"/>
+          </a:solidFill>
+          <a:ln>
+            <a:solidFill>
+              <a:srgbClr val="000000"/>
+            </a:solidFill>
+          </a:ln>
+          <a:extLst>
+            <a:ext uri="{C572A759-6A51-4108-AA02-DFA0A04FC94B}">
+              <ma14:wrappingTextBoxFlag xmlns:ma14="http://schemas.microsoft.com/office/mac/drawingml/2011/main" val="1"/>
+            </a:ext>
+          </a:extLst>
+        </p:spPr>
+        <p:txBody>
+          <a:bodyPr lIns="45718" tIns="45718" rIns="45718" bIns="45718">
+            <a:spAutoFit/>
+          </a:bodyPr>
+          <a:lstStyle>
+            <a:lvl1pPr algn="ctr">
+              <a:defRPr sz="2400"/>
+            </a:lvl1pPr>
+          </a:lstStyle>
+          <a:p>
+            <a:pPr/>
+            <a:r>
+              <a:t>expo publish</a:t>
+            </a:r>
+          </a:p>
+        </p:txBody>
+      </p:sp>
+      <p:sp>
+        <p:nvSpPr>
+          <p:cNvPr id="461" name="テキスト ボックス 4"/>
+          <p:cNvSpPr txBox="1"/>
+          <p:nvPr/>
+        </p:nvSpPr>
+        <p:spPr>
+          <a:xfrm>
+            <a:off x="5317068" y="4812694"/>
+            <a:ext cx="3214916" cy="456564"/>
+          </a:xfrm>
+          <a:prstGeom prst="rect">
+            <a:avLst/>
+          </a:prstGeom>
+          <a:solidFill>
+            <a:srgbClr val="FAF1D2"/>
+          </a:solidFill>
+          <a:ln>
+            <a:solidFill>
+              <a:srgbClr val="000000"/>
+            </a:solidFill>
+          </a:ln>
+          <a:extLst>
+            <a:ext uri="{C572A759-6A51-4108-AA02-DFA0A04FC94B}">
+              <ma14:wrappingTextBoxFlag xmlns:ma14="http://schemas.microsoft.com/office/mac/drawingml/2011/main" val="1"/>
+            </a:ext>
+          </a:extLst>
+        </p:spPr>
+        <p:txBody>
+          <a:bodyPr lIns="45718" tIns="45718" rIns="45718" bIns="45718">
+            <a:spAutoFit/>
+          </a:bodyPr>
+          <a:lstStyle>
+            <a:lvl1pPr algn="ctr">
+              <a:defRPr sz="2400"/>
+            </a:lvl1pPr>
+          </a:lstStyle>
+          <a:p>
+            <a:pPr/>
+            <a:r>
+              <a:t>expo build:ios</a:t>
+            </a:r>
+          </a:p>
+        </p:txBody>
+      </p:sp>
+      <p:sp>
+        <p:nvSpPr>
+          <p:cNvPr id="462" name="テキスト ボックス 5"/>
+          <p:cNvSpPr txBox="1"/>
+          <p:nvPr/>
+        </p:nvSpPr>
+        <p:spPr>
+          <a:xfrm>
+            <a:off x="5317066" y="5483376"/>
+            <a:ext cx="3214916" cy="456564"/>
+          </a:xfrm>
+          <a:prstGeom prst="rect">
+            <a:avLst/>
+          </a:prstGeom>
+          <a:solidFill>
+            <a:srgbClr val="FAF1D2"/>
+          </a:solidFill>
+          <a:ln>
+            <a:solidFill>
+              <a:srgbClr val="000000"/>
+            </a:solidFill>
+          </a:ln>
+          <a:extLst>
+            <a:ext uri="{C572A759-6A51-4108-AA02-DFA0A04FC94B}">
+              <ma14:wrappingTextBoxFlag xmlns:ma14="http://schemas.microsoft.com/office/mac/drawingml/2011/main" val="1"/>
+            </a:ext>
+          </a:extLst>
+        </p:spPr>
+        <p:txBody>
+          <a:bodyPr lIns="45718" tIns="45718" rIns="45718" bIns="45718">
+            <a:spAutoFit/>
+          </a:bodyPr>
+          <a:lstStyle>
+            <a:lvl1pPr algn="ctr">
+              <a:defRPr sz="2400"/>
+            </a:lvl1pPr>
+          </a:lstStyle>
+          <a:p>
+            <a:pPr/>
+            <a:r>
+              <a:t>expo build:android</a:t>
             </a:r>
           </a:p>
         </p:txBody>
@@ -23096,7 +22989,7 @@
       </p:grpSpPr>
       <p:sp>
         <p:nvSpPr>
-          <p:cNvPr id="461" name="タイトル 1"/>
+          <p:cNvPr id="464" name="タイトル 1"/>
           <p:cNvSpPr txBox="1"/>
           <p:nvPr>
             <p:ph type="title"/>
@@ -23104,8 +22997,8 @@
         </p:nvSpPr>
         <p:spPr>
           <a:xfrm>
-            <a:off x="677333" y="199505"/>
-            <a:ext cx="8596670" cy="1105593"/>
+            <a:off x="77931" y="2652104"/>
+            <a:ext cx="10432475" cy="781399"/>
           </a:xfrm>
           <a:prstGeom prst="rect">
             <a:avLst/>
@@ -23113,208 +23006,20 @@
         </p:spPr>
         <p:txBody>
           <a:bodyPr/>
-          <a:lstStyle/>
-          <a:p>
-            <a:pPr defTabSz="420623">
-              <a:defRPr sz="2200">
-                <a:latin typeface="+mj-lt"/>
-                <a:ea typeface="+mj-ea"/>
-                <a:cs typeface="+mj-cs"/>
-                <a:sym typeface="Helvetica"/>
-              </a:defRPr>
-            </a:pPr>
-            <a:r>
-              <a:t>ビルド方法の紹介</a:t>
-            </a:r>
-            <a:br/>
-            <a:r>
-              <a:rPr sz="3600">
+          <a:lstStyle>
+            <a:lvl1pPr algn="ctr">
+              <a:defRPr sz="4800">
                 <a:latin typeface="メイリオ"/>
                 <a:ea typeface="メイリオ"/>
                 <a:cs typeface="メイリオ"/>
                 <a:sym typeface="メイリオ"/>
-              </a:rPr>
-              <a:t>CLI（expコマンド）からビルド</a:t>
-            </a:r>
-          </a:p>
-        </p:txBody>
-      </p:sp>
-      <p:sp>
-        <p:nvSpPr>
-          <p:cNvPr id="462" name="コンテンツ プレースホルダー 2"/>
-          <p:cNvSpPr txBox="1"/>
-          <p:nvPr>
-            <p:ph type="body" idx="1"/>
-          </p:nvPr>
-        </p:nvSpPr>
-        <p:spPr>
-          <a:xfrm>
-            <a:off x="677333" y="1388224"/>
-            <a:ext cx="8596670" cy="4653138"/>
-          </a:xfrm>
-          <a:prstGeom prst="rect">
-            <a:avLst/>
-          </a:prstGeom>
-        </p:spPr>
-        <p:txBody>
-          <a:bodyPr/>
-          <a:lstStyle/>
-          <a:p>
-            <a:pPr marL="0" indent="0">
-              <a:lnSpc>
-                <a:spcPct val="150000"/>
-              </a:lnSpc>
-              <a:buSzTx/>
-              <a:buNone/>
-              <a:defRPr sz="2000"/>
-            </a:pPr>
-            <a:r>
-              <a:t>exp</a:t>
-            </a:r>
-            <a:r>
-              <a:rPr>
-                <a:latin typeface="+mj-lt"/>
-                <a:ea typeface="+mj-ea"/>
-                <a:cs typeface="+mj-cs"/>
-                <a:sym typeface="Helvetica"/>
-              </a:rPr>
-              <a:t>という</a:t>
-            </a:r>
-            <a:r>
-              <a:rPr>
-                <a:latin typeface="メイリオ"/>
-                <a:ea typeface="メイリオ"/>
-                <a:cs typeface="メイリオ"/>
-                <a:sym typeface="メイリオ"/>
-              </a:rPr>
-              <a:t>expoが提供するモジュールがある</a:t>
-            </a:r>
-          </a:p>
-          <a:p>
-            <a:pPr marL="0" indent="0">
-              <a:lnSpc>
-                <a:spcPct val="150000"/>
-              </a:lnSpc>
-              <a:buSzTx/>
-              <a:buNone/>
-              <a:defRPr sz="2000">
-                <a:latin typeface="メイリオ"/>
-                <a:ea typeface="メイリオ"/>
-                <a:cs typeface="メイリオ"/>
-                <a:sym typeface="メイリオ"/>
-              </a:defRPr>
-            </a:pPr>
-            <a:r>
-              <a:t>↓ドキュメント</a:t>
-            </a:r>
-          </a:p>
-          <a:p>
-            <a:pPr marL="0" indent="0">
-              <a:lnSpc>
-                <a:spcPct val="150000"/>
-              </a:lnSpc>
-              <a:buSzTx/>
-              <a:buNone/>
-              <a:defRPr sz="2000" u="sng">
-                <a:solidFill>
-                  <a:srgbClr val="99CA3C"/>
-                </a:solidFill>
-                <a:uFill>
-                  <a:solidFill>
-                    <a:srgbClr val="99CA3C"/>
-                  </a:solidFill>
-                </a:uFill>
-              </a:defRPr>
-            </a:pPr>
-            <a:r>
-              <a:rPr>
-                <a:solidFill>
-                  <a:srgbClr val="0000FF"/>
-                </a:solidFill>
-                <a:uFill>
-                  <a:solidFill>
-                    <a:srgbClr val="0000FF"/>
-                  </a:solidFill>
-                </a:uFill>
-                <a:hlinkClick r:id="rId2" invalidUrl="" action="" tgtFrame="" tooltip="" history="1" highlightClick="0" endSnd="0"/>
-              </a:rPr>
-              <a:t>https://docs.expo.io/versions/latest/workflow/expo-cli/</a:t>
-            </a:r>
-          </a:p>
-          <a:p>
-            <a:pPr marL="0" indent="0">
-              <a:lnSpc>
-                <a:spcPct val="150000"/>
-              </a:lnSpc>
-              <a:buSzTx/>
-              <a:buNone/>
-              <a:defRPr sz="2000">
-                <a:latin typeface="+mj-lt"/>
-                <a:ea typeface="+mj-ea"/>
-                <a:cs typeface="+mj-cs"/>
-                <a:sym typeface="Helvetica"/>
-              </a:defRPr>
-            </a:pPr>
-            <a:r>
-              <a:t>以下のコマンドでインストール</a:t>
-            </a:r>
-          </a:p>
-        </p:txBody>
-      </p:sp>
-      <p:sp>
-        <p:nvSpPr>
-          <p:cNvPr id="463" name="テキスト ボックス 3"/>
-          <p:cNvSpPr txBox="1"/>
-          <p:nvPr/>
-        </p:nvSpPr>
-        <p:spPr>
-          <a:xfrm>
-            <a:off x="745067" y="4327867"/>
-            <a:ext cx="2966161" cy="656361"/>
-          </a:xfrm>
-          <a:prstGeom prst="rect">
-            <a:avLst/>
-          </a:prstGeom>
-          <a:solidFill>
-            <a:srgbClr val="FAF1D2"/>
-          </a:solidFill>
-          <a:ln>
-            <a:solidFill>
-              <a:srgbClr val="000000"/>
-            </a:solidFill>
-          </a:ln>
-          <a:extLst>
-            <a:ext uri="{C572A759-6A51-4108-AA02-DFA0A04FC94B}">
-              <ma14:wrappingTextBoxFlag xmlns:ma14="http://schemas.microsoft.com/office/mac/drawingml/2011/main" val="1"/>
-            </a:ext>
-          </a:extLst>
-        </p:spPr>
-        <p:txBody>
-          <a:bodyPr lIns="45718" tIns="45718" rIns="45718" bIns="45718" anchor="ctr">
-            <a:spAutoFit/>
-          </a:bodyPr>
-          <a:lstStyle>
-            <a:lvl1pPr algn="ctr" defTabSz="457200">
-              <a:lnSpc>
-                <a:spcPts val="4800"/>
-              </a:lnSpc>
-              <a:defRPr sz="2400">
-                <a:ln w="3175" cap="flat">
-                  <a:solidFill>
-                    <a:srgbClr val="000020">
-                      <a:alpha val="80000"/>
-                    </a:srgbClr>
-                  </a:solidFill>
-                  <a:prstDash val="solid"/>
-                  <a:miter lim="400000"/>
-                </a:ln>
               </a:defRPr>
             </a:lvl1pPr>
           </a:lstStyle>
           <a:p>
             <a:pPr/>
             <a:r>
-              <a:t>npm i -g expo-cli</a:t>
+              <a:t>一日目のまとめと次回予告</a:t>
             </a:r>
           </a:p>
         </p:txBody>
@@ -23347,7 +23052,7 @@
       </p:grpSpPr>
       <p:sp>
         <p:nvSpPr>
-          <p:cNvPr id="465" name="タイトル 1"/>
+          <p:cNvPr id="466" name="タイトル 1"/>
           <p:cNvSpPr txBox="1"/>
           <p:nvPr>
             <p:ph type="title"/>
@@ -23366,42 +23071,37 @@
           <a:bodyPr/>
           <a:lstStyle/>
           <a:p>
-            <a:pPr defTabSz="420623">
-              <a:defRPr sz="2200">
-                <a:latin typeface="+mj-lt"/>
-                <a:ea typeface="+mj-ea"/>
-                <a:cs typeface="+mj-cs"/>
-                <a:sym typeface="Helvetica"/>
-              </a:defRPr>
-            </a:pPr>
-            <a:r>
-              <a:t>ビルド方法の紹介</a:t>
-            </a:r>
-            <a:br/>
-            <a:r>
-              <a:rPr sz="3600">
+            <a:pPr defTabSz="452627">
+              <a:defRPr sz="2300">
                 <a:latin typeface="メイリオ"/>
                 <a:ea typeface="メイリオ"/>
                 <a:cs typeface="メイリオ"/>
                 <a:sym typeface="メイリオ"/>
-              </a:rPr>
-              <a:t>CLI（expコマンド）からビルド</a:t>
+              </a:defRPr>
+            </a:pPr>
+            <a:r>
+              <a:t>一日目のまとめと次回予告</a:t>
+            </a:r>
+            <a:br/>
+            <a:r>
+              <a:rPr sz="3900"/>
+              <a:t>一日目のまとめ</a:t>
             </a:r>
           </a:p>
         </p:txBody>
       </p:sp>
       <p:sp>
         <p:nvSpPr>
-          <p:cNvPr id="466" name="コンテンツ プレースホルダー 2"/>
+          <p:cNvPr id="467" name="コンテンツ プレースホルダー 2"/>
           <p:cNvSpPr txBox="1"/>
           <p:nvPr>
-            <p:ph type="body" idx="1"/>
+            <p:ph type="body" sz="quarter" idx="1"/>
           </p:nvPr>
         </p:nvSpPr>
         <p:spPr>
           <a:xfrm>
-            <a:off x="677333" y="1388224"/>
-            <a:ext cx="9382860" cy="4653138"/>
+            <a:off x="1404570" y="2993416"/>
+            <a:ext cx="7915316" cy="694806"/>
           </a:xfrm>
           <a:prstGeom prst="rect">
             <a:avLst/>
@@ -23409,274 +23109,25 @@
         </p:spPr>
         <p:txBody>
           <a:bodyPr/>
-          <a:lstStyle/>
-          <a:p>
-            <a:pPr marL="0" indent="0">
-              <a:lnSpc>
-                <a:spcPct val="150000"/>
-              </a:lnSpc>
+          <a:lstStyle>
+            <a:lvl1pPr>
               <a:buSzTx/>
               <a:buNone/>
-              <a:defRPr sz="2000">
-                <a:latin typeface="メイリオ"/>
-                <a:ea typeface="メイリオ"/>
-                <a:cs typeface="メイリオ"/>
-                <a:sym typeface="メイリオ"/>
-              </a:defRPr>
-            </a:pPr>
-            <a:r>
-              <a:t>APKファイルなどを作成するにはapp.jsonというファイルを作り、アイコンやbundleIdentifierなどの設定を行う必要がある。</a:t>
-            </a:r>
-          </a:p>
-          <a:p>
-            <a:pPr marL="0" indent="0">
-              <a:lnSpc>
-                <a:spcPct val="150000"/>
-              </a:lnSpc>
-              <a:buSzTx/>
-              <a:buNone/>
-              <a:defRPr sz="2000">
-                <a:latin typeface="メイリオ"/>
-                <a:ea typeface="メイリオ"/>
-                <a:cs typeface="メイリオ"/>
-                <a:sym typeface="メイリオ"/>
-              </a:defRPr>
-            </a:pPr>
-            <a:r>
-              <a:t>↓ドキュメント</a:t>
-            </a:r>
-          </a:p>
-          <a:p>
-            <a:pPr>
-              <a:buSzTx/>
-              <a:buNone/>
-              <a:defRPr sz="2000" u="sng">
+              <a:defRPr b="1" sz="4700">
                 <a:solidFill>
-                  <a:srgbClr val="99CA3C"/>
+                  <a:srgbClr val="FF0000"/>
                 </a:solidFill>
-                <a:uFill>
-                  <a:solidFill>
-                    <a:srgbClr val="99CA3C"/>
-                  </a:solidFill>
-                </a:uFill>
-              </a:defRPr>
-            </a:pPr>
-            <a:r>
-              <a:rPr>
-                <a:solidFill>
-                  <a:srgbClr val="0000FF"/>
-                </a:solidFill>
-                <a:uFill>
-                  <a:solidFill>
-                    <a:srgbClr val="0000FF"/>
-                  </a:solidFill>
-                </a:uFill>
-                <a:hlinkClick r:id="rId2" invalidUrl="" action="" tgtFrame="" tooltip="" history="1" highlightClick="0" endSnd="0"/>
-              </a:rPr>
-              <a:t>https://docs.expo.io/versions/latest/distribution/building-standalone-apps</a:t>
-            </a:r>
-          </a:p>
-          <a:p>
-            <a:pPr>
-              <a:buSzTx/>
-              <a:buNone/>
-              <a:defRPr sz="2000"/>
-            </a:pPr>
-          </a:p>
-          <a:p>
-            <a:pPr>
-              <a:buSzTx/>
-              <a:buNone/>
-              <a:defRPr sz="2000"/>
-            </a:pPr>
-            <a:r>
-              <a:t>expo.io</a:t>
-            </a:r>
-            <a:r>
-              <a:rPr>
-                <a:latin typeface="+mj-lt"/>
-                <a:ea typeface="+mj-ea"/>
-                <a:cs typeface="+mj-cs"/>
-                <a:sym typeface="Helvetica"/>
-              </a:rPr>
-              <a:t>のプロジェクトとして公開：</a:t>
-            </a:r>
-            <a:endParaRPr>
-              <a:latin typeface="+mj-lt"/>
-              <a:ea typeface="+mj-ea"/>
-              <a:cs typeface="+mj-cs"/>
-              <a:sym typeface="Helvetica"/>
-            </a:endParaRPr>
-          </a:p>
-          <a:p>
-            <a:pPr marL="0" indent="0">
-              <a:lnSpc>
-                <a:spcPct val="150000"/>
-              </a:lnSpc>
-              <a:buSzTx/>
-              <a:buNone/>
-              <a:defRPr sz="2000">
-                <a:latin typeface="メイリオ"/>
-                <a:ea typeface="メイリオ"/>
-                <a:cs typeface="メイリオ"/>
-                <a:sym typeface="メイリオ"/>
-              </a:defRPr>
-            </a:pPr>
-            <a:r>
-              <a:t>IPAファイルを作成：</a:t>
-            </a:r>
-          </a:p>
-          <a:p>
-            <a:pPr marL="0" indent="0">
-              <a:lnSpc>
-                <a:spcPct val="150000"/>
-              </a:lnSpc>
-              <a:buSzTx/>
-              <a:buNone/>
-              <a:defRPr sz="2000">
-                <a:latin typeface="メイリオ"/>
-                <a:ea typeface="メイリオ"/>
-                <a:cs typeface="メイリオ"/>
-                <a:sym typeface="メイリオ"/>
-              </a:defRPr>
-            </a:pPr>
-            <a:r>
-              <a:t>APKファイルを作成：</a:t>
-            </a:r>
-          </a:p>
-        </p:txBody>
-      </p:sp>
-      <p:sp>
-        <p:nvSpPr>
-          <p:cNvPr id="467" name="テキスト ボックス 3"/>
-          <p:cNvSpPr txBox="1"/>
-          <p:nvPr/>
-        </p:nvSpPr>
-        <p:spPr>
-          <a:xfrm>
-            <a:off x="5317068" y="4142013"/>
-            <a:ext cx="3214916" cy="456564"/>
-          </a:xfrm>
-          <a:prstGeom prst="rect">
-            <a:avLst/>
-          </a:prstGeom>
-          <a:solidFill>
-            <a:srgbClr val="FAF1D2"/>
-          </a:solidFill>
-          <a:ln>
-            <a:solidFill>
-              <a:srgbClr val="000000"/>
-            </a:solidFill>
-          </a:ln>
-          <a:extLst>
-            <a:ext uri="{C572A759-6A51-4108-AA02-DFA0A04FC94B}">
-              <ma14:wrappingTextBoxFlag xmlns:ma14="http://schemas.microsoft.com/office/mac/drawingml/2011/main" val="1"/>
-            </a:ext>
-          </a:extLst>
-        </p:spPr>
-        <p:txBody>
-          <a:bodyPr lIns="45718" tIns="45718" rIns="45718" bIns="45718">
-            <a:spAutoFit/>
-          </a:bodyPr>
-          <a:lstStyle>
-            <a:lvl1pPr algn="ctr">
-              <a:defRPr sz="2400"/>
+                <a:latin typeface="+mj-lt"/>
+                <a:ea typeface="+mj-ea"/>
+                <a:cs typeface="+mj-cs"/>
+                <a:sym typeface="Helvetica"/>
+              </a:defRPr>
             </a:lvl1pPr>
           </a:lstStyle>
           <a:p>
             <a:pPr/>
             <a:r>
-              <a:t>expo publish</a:t>
-            </a:r>
-          </a:p>
-        </p:txBody>
-      </p:sp>
-      <p:sp>
-        <p:nvSpPr>
-          <p:cNvPr id="468" name="テキスト ボックス 4"/>
-          <p:cNvSpPr txBox="1"/>
-          <p:nvPr/>
-        </p:nvSpPr>
-        <p:spPr>
-          <a:xfrm>
-            <a:off x="5317068" y="4812694"/>
-            <a:ext cx="3214916" cy="456564"/>
-          </a:xfrm>
-          <a:prstGeom prst="rect">
-            <a:avLst/>
-          </a:prstGeom>
-          <a:solidFill>
-            <a:srgbClr val="FAF1D2"/>
-          </a:solidFill>
-          <a:ln>
-            <a:solidFill>
-              <a:srgbClr val="000000"/>
-            </a:solidFill>
-          </a:ln>
-          <a:extLst>
-            <a:ext uri="{C572A759-6A51-4108-AA02-DFA0A04FC94B}">
-              <ma14:wrappingTextBoxFlag xmlns:ma14="http://schemas.microsoft.com/office/mac/drawingml/2011/main" val="1"/>
-            </a:ext>
-          </a:extLst>
-        </p:spPr>
-        <p:txBody>
-          <a:bodyPr lIns="45718" tIns="45718" rIns="45718" bIns="45718">
-            <a:spAutoFit/>
-          </a:bodyPr>
-          <a:lstStyle>
-            <a:lvl1pPr algn="ctr">
-              <a:defRPr sz="2400"/>
-            </a:lvl1pPr>
-          </a:lstStyle>
-          <a:p>
-            <a:pPr/>
-            <a:r>
-              <a:t>expo build:ios</a:t>
-            </a:r>
-          </a:p>
-        </p:txBody>
-      </p:sp>
-      <p:sp>
-        <p:nvSpPr>
-          <p:cNvPr id="469" name="テキスト ボックス 5"/>
-          <p:cNvSpPr txBox="1"/>
-          <p:nvPr/>
-        </p:nvSpPr>
-        <p:spPr>
-          <a:xfrm>
-            <a:off x="5317066" y="5483376"/>
-            <a:ext cx="3214916" cy="456564"/>
-          </a:xfrm>
-          <a:prstGeom prst="rect">
-            <a:avLst/>
-          </a:prstGeom>
-          <a:solidFill>
-            <a:srgbClr val="FAF1D2"/>
-          </a:solidFill>
-          <a:ln>
-            <a:solidFill>
-              <a:srgbClr val="000000"/>
-            </a:solidFill>
-          </a:ln>
-          <a:extLst>
-            <a:ext uri="{C572A759-6A51-4108-AA02-DFA0A04FC94B}">
-              <ma14:wrappingTextBoxFlag xmlns:ma14="http://schemas.microsoft.com/office/mac/drawingml/2011/main" val="1"/>
-            </a:ext>
-          </a:extLst>
-        </p:spPr>
-        <p:txBody>
-          <a:bodyPr lIns="45718" tIns="45718" rIns="45718" bIns="45718">
-            <a:spAutoFit/>
-          </a:bodyPr>
-          <a:lstStyle>
-            <a:lvl1pPr algn="ctr">
-              <a:defRPr sz="2400"/>
-            </a:lvl1pPr>
-          </a:lstStyle>
-          <a:p>
-            <a:pPr/>
-            <a:r>
-              <a:t>expo build:android</a:t>
+              <a:t>スマホアプリは意外と作れる</a:t>
             </a:r>
           </a:p>
         </p:txBody>
@@ -23709,7 +23160,7 @@
       </p:grpSpPr>
       <p:sp>
         <p:nvSpPr>
-          <p:cNvPr id="471" name="タイトル 1"/>
+          <p:cNvPr id="469" name="タイトル 1"/>
           <p:cNvSpPr txBox="1"/>
           <p:nvPr>
             <p:ph type="title"/>
@@ -23717,8 +23168,8 @@
         </p:nvSpPr>
         <p:spPr>
           <a:xfrm>
-            <a:off x="77931" y="2652104"/>
-            <a:ext cx="10432475" cy="781399"/>
+            <a:off x="677333" y="199505"/>
+            <a:ext cx="8596670" cy="1105593"/>
           </a:xfrm>
           <a:prstGeom prst="rect">
             <a:avLst/>
@@ -23726,20 +23177,201 @@
         </p:spPr>
         <p:txBody>
           <a:bodyPr/>
-          <a:lstStyle>
-            <a:lvl1pPr algn="ctr">
-              <a:defRPr sz="4800">
+          <a:lstStyle/>
+          <a:p>
+            <a:pPr defTabSz="452627">
+              <a:defRPr sz="2300">
                 <a:latin typeface="メイリオ"/>
                 <a:ea typeface="メイリオ"/>
                 <a:cs typeface="メイリオ"/>
                 <a:sym typeface="メイリオ"/>
               </a:defRPr>
-            </a:lvl1pPr>
-          </a:lstStyle>
-          <a:p>
-            <a:pPr/>
+            </a:pPr>
             <a:r>
               <a:t>一日目のまとめと次回予告</a:t>
+            </a:r>
+            <a:br/>
+            <a:r>
+              <a:rPr sz="3900"/>
+              <a:t>次回予告</a:t>
+            </a:r>
+          </a:p>
+        </p:txBody>
+      </p:sp>
+      <p:sp>
+        <p:nvSpPr>
+          <p:cNvPr id="470" name="コンテンツ プレースホルダー 2"/>
+          <p:cNvSpPr txBox="1"/>
+          <p:nvPr>
+            <p:ph type="body" idx="1"/>
+          </p:nvPr>
+        </p:nvSpPr>
+        <p:spPr>
+          <a:xfrm>
+            <a:off x="677333" y="1388224"/>
+            <a:ext cx="9382860" cy="4653138"/>
+          </a:xfrm>
+          <a:prstGeom prst="rect">
+            <a:avLst/>
+          </a:prstGeom>
+        </p:spPr>
+        <p:txBody>
+          <a:bodyPr/>
+          <a:lstStyle/>
+          <a:p>
+            <a:pPr>
+              <a:buSzTx/>
+              <a:buNone/>
+              <a:defRPr sz="2800">
+                <a:latin typeface="+mj-lt"/>
+                <a:ea typeface="+mj-ea"/>
+                <a:cs typeface="+mj-cs"/>
+                <a:sym typeface="Helvetica"/>
+              </a:defRPr>
+            </a:pPr>
+            <a:r>
+              <a:t>モブプログラミングやります。</a:t>
+            </a:r>
+            <a:endParaRPr sz="2400">
+              <a:solidFill>
+                <a:srgbClr val="FF0000"/>
+              </a:solidFill>
+            </a:endParaRPr>
+          </a:p>
+          <a:p>
+            <a:pPr>
+              <a:buSzTx/>
+              <a:buNone/>
+              <a:defRPr u="sng">
+                <a:solidFill>
+                  <a:srgbClr val="99CA3C"/>
+                </a:solidFill>
+                <a:uFill>
+                  <a:solidFill>
+                    <a:srgbClr val="99CA3C"/>
+                  </a:solidFill>
+                </a:uFill>
+              </a:defRPr>
+            </a:pPr>
+            <a:r>
+              <a:rPr>
+                <a:solidFill>
+                  <a:srgbClr val="0000FF"/>
+                </a:solidFill>
+                <a:uFill>
+                  <a:solidFill>
+                    <a:srgbClr val="0000FF"/>
+                  </a:solidFill>
+                </a:uFill>
+                <a:hlinkClick r:id="rId2" invalidUrl="" action="" tgtFrame="" tooltip="" history="1" highlightClick="0" endSnd="0"/>
+              </a:rPr>
+              <a:t>https</a:t>
+            </a:r>
+            <a:r>
+              <a:rPr>
+                <a:solidFill>
+                  <a:srgbClr val="0000FF"/>
+                </a:solidFill>
+                <a:uFill>
+                  <a:solidFill>
+                    <a:srgbClr val="0000FF"/>
+                  </a:solidFill>
+                </a:uFill>
+                <a:hlinkClick r:id="rId2" invalidUrl="" action="" tgtFrame="" tooltip="" history="1" highlightClick="0" endSnd="0"/>
+              </a:rPr>
+              <a:t>://</a:t>
+            </a:r>
+            <a:r>
+              <a:rPr>
+                <a:solidFill>
+                  <a:srgbClr val="0000FF"/>
+                </a:solidFill>
+                <a:uFill>
+                  <a:solidFill>
+                    <a:srgbClr val="0000FF"/>
+                  </a:solidFill>
+                </a:uFill>
+                <a:hlinkClick r:id="rId2" invalidUrl="" action="" tgtFrame="" tooltip="" history="1" highlightClick="0" endSnd="0"/>
+              </a:rPr>
+              <a:t>www.slideshare.net/couger2010/mob-programming-76337184</a:t>
+            </a:r>
+            <a:endParaRPr>
+              <a:solidFill>
+                <a:srgbClr val="000000"/>
+              </a:solidFill>
+            </a:endParaRPr>
+          </a:p>
+          <a:p>
+            <a:pPr>
+              <a:buSzTx/>
+              <a:buNone/>
+              <a:defRPr>
+                <a:solidFill>
+                  <a:srgbClr val="000000"/>
+                </a:solidFill>
+              </a:defRPr>
+            </a:pPr>
+          </a:p>
+          <a:p>
+            <a:pPr>
+              <a:buSzTx/>
+              <a:buNone/>
+              <a:defRPr sz="2800"/>
+            </a:pPr>
+            <a:r>
+              <a:t>ASE</a:t>
+            </a:r>
+            <a:r>
+              <a:rPr>
+                <a:latin typeface="+mj-lt"/>
+                <a:ea typeface="+mj-ea"/>
+                <a:cs typeface="+mj-cs"/>
+                <a:sym typeface="Helvetica"/>
+              </a:rPr>
+              <a:t>社員が実施した時の記録。</a:t>
+            </a:r>
+            <a:endParaRPr>
+              <a:solidFill>
+                <a:srgbClr val="000000"/>
+              </a:solidFill>
+            </a:endParaRPr>
+          </a:p>
+          <a:p>
+            <a:pPr>
+              <a:buSzTx/>
+              <a:buNone/>
+              <a:defRPr>
+                <a:solidFill>
+                  <a:srgbClr val="000000"/>
+                </a:solidFill>
+              </a:defRPr>
+            </a:pPr>
+            <a:r>
+              <a:t>http://blog.ase.co.jp/2018/05/10/</a:t>
+            </a:r>
+            <a:r>
+              <a:rPr>
+                <a:latin typeface="+mj-lt"/>
+                <a:ea typeface="+mj-ea"/>
+                <a:cs typeface="+mj-cs"/>
+                <a:sym typeface="Helvetica"/>
+              </a:rPr>
+              <a:t>東京支店社内勉強会</a:t>
+            </a:r>
+            <a:r>
+              <a:t>-</a:t>
+            </a:r>
+            <a:r>
+              <a:rPr>
+                <a:latin typeface="+mj-lt"/>
+                <a:ea typeface="+mj-ea"/>
+                <a:cs typeface="+mj-cs"/>
+                <a:sym typeface="Helvetica"/>
+              </a:rPr>
+              <a:t>モブプログラミングやってみ</a:t>
+            </a:r>
+            <a:r>
+              <a:t>/</a:t>
             </a:r>
           </a:p>
         </p:txBody>
@@ -23772,7 +23404,7 @@
       </p:grpSpPr>
       <p:sp>
         <p:nvSpPr>
-          <p:cNvPr id="473" name="タイトル 1"/>
+          <p:cNvPr id="472" name="タイトル 1"/>
           <p:cNvSpPr txBox="1"/>
           <p:nvPr>
             <p:ph type="title"/>
@@ -23780,48 +23412,8 @@
         </p:nvSpPr>
         <p:spPr>
           <a:xfrm>
-            <a:off x="677333" y="199505"/>
-            <a:ext cx="8596670" cy="1105593"/>
-          </a:xfrm>
-          <a:prstGeom prst="rect">
-            <a:avLst/>
-          </a:prstGeom>
-        </p:spPr>
-        <p:txBody>
-          <a:bodyPr/>
-          <a:lstStyle/>
-          <a:p>
-            <a:pPr defTabSz="452627">
-              <a:defRPr sz="2300">
-                <a:latin typeface="メイリオ"/>
-                <a:ea typeface="メイリオ"/>
-                <a:cs typeface="メイリオ"/>
-                <a:sym typeface="メイリオ"/>
-              </a:defRPr>
-            </a:pPr>
-            <a:r>
-              <a:t>一日目のまとめと次回予告</a:t>
-            </a:r>
-            <a:br/>
-            <a:r>
-              <a:rPr sz="3900"/>
-              <a:t>一日目のまとめ</a:t>
-            </a:r>
-          </a:p>
-        </p:txBody>
-      </p:sp>
-      <p:sp>
-        <p:nvSpPr>
-          <p:cNvPr id="474" name="コンテンツ プレースホルダー 2"/>
-          <p:cNvSpPr txBox="1"/>
-          <p:nvPr>
-            <p:ph type="body" sz="quarter" idx="1"/>
-          </p:nvPr>
-        </p:nvSpPr>
-        <p:spPr>
-          <a:xfrm>
-            <a:off x="1404570" y="2993416"/>
-            <a:ext cx="7915316" cy="694806"/>
+            <a:off x="77931" y="2652104"/>
+            <a:ext cx="10432475" cy="781399"/>
           </a:xfrm>
           <a:prstGeom prst="rect">
             <a:avLst/>
@@ -23830,24 +23422,64 @@
         <p:txBody>
           <a:bodyPr/>
           <a:lstStyle>
-            <a:lvl1pPr>
-              <a:buSzTx/>
-              <a:buNone/>
-              <a:defRPr b="1" sz="4700">
-                <a:solidFill>
-                  <a:srgbClr val="FF0000"/>
-                </a:solidFill>
-                <a:latin typeface="+mj-lt"/>
-                <a:ea typeface="+mj-ea"/>
-                <a:cs typeface="+mj-cs"/>
-                <a:sym typeface="Helvetica"/>
+            <a:lvl1pPr algn="ctr">
+              <a:defRPr sz="4800">
+                <a:latin typeface="メイリオ"/>
+                <a:ea typeface="メイリオ"/>
+                <a:cs typeface="メイリオ"/>
+                <a:sym typeface="メイリオ"/>
               </a:defRPr>
             </a:lvl1pPr>
           </a:lstStyle>
           <a:p>
             <a:pPr/>
             <a:r>
-              <a:t>スマホアプリは意外と作れる</a:t>
+              <a:t>お疲れ様でした。</a:t>
+            </a:r>
+          </a:p>
+        </p:txBody>
+      </p:sp>
+      <p:sp>
+        <p:nvSpPr>
+          <p:cNvPr id="473" name="正方形/長方形 2"/>
+          <p:cNvSpPr txBox="1"/>
+          <p:nvPr/>
+        </p:nvSpPr>
+        <p:spPr>
+          <a:xfrm>
+            <a:off x="2604040" y="4050669"/>
+            <a:ext cx="5361939" cy="320038"/>
+          </a:xfrm>
+          <a:prstGeom prst="rect">
+            <a:avLst/>
+          </a:prstGeom>
+          <a:ln w="12700">
+            <a:miter lim="400000"/>
+          </a:ln>
+          <a:extLst>
+            <a:ext uri="{C572A759-6A51-4108-AA02-DFA0A04FC94B}">
+              <ma14:wrappingTextBoxFlag xmlns:ma14="http://schemas.microsoft.com/office/mac/drawingml/2011/main" val="1"/>
+            </a:ext>
+          </a:extLst>
+        </p:spPr>
+        <p:txBody>
+          <a:bodyPr wrap="none" lIns="45718" tIns="45718" rIns="45718" bIns="45718">
+            <a:spAutoFit/>
+          </a:bodyPr>
+          <a:lstStyle>
+            <a:lvl1pPr>
+              <a:defRPr>
+                <a:latin typeface="+mj-lt"/>
+                <a:ea typeface="+mj-ea"/>
+                <a:cs typeface="+mj-cs"/>
+                <a:sym typeface="Helvetica"/>
+              </a:defRPr>
+            </a:lvl1pPr>
+          </a:lstStyle>
+          <a:p>
+            <a:pPr/>
+            <a:r>
+              <a:t>時間が余ったら二日目に何を作りたいかを決める。</a:t>
             </a:r>
           </a:p>
         </p:txBody>
@@ -23880,7 +23512,7 @@
       </p:grpSpPr>
       <p:sp>
         <p:nvSpPr>
-          <p:cNvPr id="476" name="タイトル 1"/>
+          <p:cNvPr id="475" name="タイトル 1"/>
           <p:cNvSpPr txBox="1"/>
           <p:nvPr>
             <p:ph type="title"/>
@@ -23888,8 +23520,45 @@
         </p:nvSpPr>
         <p:spPr>
           <a:xfrm>
-            <a:off x="677333" y="199505"/>
-            <a:ext cx="8596670" cy="1105593"/>
+            <a:off x="677333" y="609598"/>
+            <a:ext cx="8596670" cy="695501"/>
+          </a:xfrm>
+          <a:prstGeom prst="rect">
+            <a:avLst/>
+          </a:prstGeom>
+        </p:spPr>
+        <p:txBody>
+          <a:bodyPr/>
+          <a:lstStyle>
+            <a:lvl1pPr>
+              <a:defRPr>
+                <a:latin typeface="+mj-lt"/>
+                <a:ea typeface="+mj-ea"/>
+                <a:cs typeface="+mj-cs"/>
+                <a:sym typeface="Helvetica"/>
+              </a:defRPr>
+            </a:lvl1pPr>
+          </a:lstStyle>
+          <a:p>
+            <a:pPr/>
+            <a:r>
+              <a:t>参考</a:t>
+            </a:r>
+          </a:p>
+        </p:txBody>
+      </p:sp>
+      <p:sp>
+        <p:nvSpPr>
+          <p:cNvPr id="476" name="コンテンツ プレースホルダー 2"/>
+          <p:cNvSpPr txBox="1"/>
+          <p:nvPr>
+            <p:ph type="body" idx="1"/>
+          </p:nvPr>
+        </p:nvSpPr>
+        <p:spPr>
+          <a:xfrm>
+            <a:off x="677333" y="1305098"/>
+            <a:ext cx="8596670" cy="4736267"/>
           </a:xfrm>
           <a:prstGeom prst="rect">
             <a:avLst/>
@@ -23899,82 +23568,41 @@
           <a:bodyPr/>
           <a:lstStyle/>
           <a:p>
-            <a:pPr defTabSz="452627">
-              <a:defRPr sz="2300">
-                <a:latin typeface="メイリオ"/>
-                <a:ea typeface="メイリオ"/>
-                <a:cs typeface="メイリオ"/>
-                <a:sym typeface="メイリオ"/>
-              </a:defRPr>
-            </a:pPr>
-            <a:r>
-              <a:t>一日目のまとめと次回予告</a:t>
-            </a:r>
-            <a:br/>
-            <a:r>
-              <a:rPr sz="3900"/>
-              <a:t>次回予告</a:t>
-            </a:r>
-          </a:p>
-        </p:txBody>
-      </p:sp>
-      <p:sp>
-        <p:nvSpPr>
-          <p:cNvPr id="477" name="コンテンツ プレースホルダー 2"/>
-          <p:cNvSpPr txBox="1"/>
-          <p:nvPr>
-            <p:ph type="body" idx="1"/>
-          </p:nvPr>
-        </p:nvSpPr>
-        <p:spPr>
-          <a:xfrm>
-            <a:off x="677333" y="1388224"/>
-            <a:ext cx="9382860" cy="4653138"/>
-          </a:xfrm>
-          <a:prstGeom prst="rect">
-            <a:avLst/>
-          </a:prstGeom>
-        </p:spPr>
-        <p:txBody>
-          <a:bodyPr/>
-          <a:lstStyle/>
-          <a:p>
-            <a:pPr>
+            <a:pPr marL="291465" indent="-291465" defTabSz="388620">
+              <a:spcBef>
+                <a:spcPts val="800"/>
+              </a:spcBef>
+              <a:buFont typeface="Helvetica"/>
+              <a:defRPr sz="1500">
+                <a:latin typeface="+mj-lt"/>
+                <a:ea typeface="+mj-ea"/>
+                <a:cs typeface="+mj-cs"/>
+                <a:sym typeface="Helvetica"/>
+              </a:defRPr>
+            </a:pPr>
+            <a:r>
+              <a:t>【徹底解説】初心者向けスマホアプリ開発に必要な言語と環境まとめ</a:t>
+            </a:r>
+          </a:p>
+          <a:p>
+            <a:pPr marL="0" indent="0" defTabSz="388620">
+              <a:spcBef>
+                <a:spcPts val="800"/>
+              </a:spcBef>
               <a:buSzTx/>
               <a:buNone/>
-              <a:defRPr sz="2800">
-                <a:latin typeface="+mj-lt"/>
-                <a:ea typeface="+mj-ea"/>
-                <a:cs typeface="+mj-cs"/>
-                <a:sym typeface="Helvetica"/>
-              </a:defRPr>
-            </a:pPr>
-            <a:r>
-              <a:t>モブプログラミングやります。</a:t>
-            </a:r>
-            <a:endParaRPr sz="2400">
-              <a:solidFill>
-                <a:srgbClr val="FF0000"/>
-              </a:solidFill>
-            </a:endParaRPr>
-          </a:p>
-          <a:p>
-            <a:pPr>
-              <a:buSzTx/>
-              <a:buNone/>
-              <a:defRPr u="sng">
-                <a:solidFill>
-                  <a:srgbClr val="99CA3C"/>
-                </a:solidFill>
-                <a:uFill>
-                  <a:solidFill>
-                    <a:srgbClr val="99CA3C"/>
-                  </a:solidFill>
-                </a:uFill>
-              </a:defRPr>
-            </a:pPr>
-            <a:r>
-              <a:rPr>
+              <a:defRPr sz="1500">
+                <a:latin typeface="+mj-lt"/>
+                <a:ea typeface="+mj-ea"/>
+                <a:cs typeface="+mj-cs"/>
+                <a:sym typeface="Helvetica"/>
+              </a:defRPr>
+            </a:pPr>
+            <a:r>
+              <a:t>　　　</a:t>
+            </a:r>
+            <a:r>
+              <a:rPr u="sng">
                 <a:solidFill>
                   <a:srgbClr val="0000FF"/>
                 </a:solidFill>
@@ -23983,12 +23611,78 @@
                     <a:srgbClr val="0000FF"/>
                   </a:solidFill>
                 </a:uFill>
+                <a:latin typeface="+mn-lt"/>
+                <a:ea typeface="+mn-ea"/>
+                <a:cs typeface="+mn-cs"/>
+                <a:sym typeface="Trebuchet MS"/>
                 <a:hlinkClick r:id="rId2" invalidUrl="" action="" tgtFrame="" tooltip="" history="1" highlightClick="0" endSnd="0"/>
               </a:rPr>
-              <a:t>https</a:t>
+              <a:t>https://www.sejuku.net/blog/5293</a:t>
+            </a:r>
+          </a:p>
+          <a:p>
+            <a:pPr marL="291465" indent="-291465" defTabSz="388620">
+              <a:spcBef>
+                <a:spcPts val="800"/>
+              </a:spcBef>
+              <a:defRPr sz="1500"/>
+            </a:pPr>
+            <a:r>
+              <a:t>Nintendo Switch</a:t>
             </a:r>
             <a:r>
               <a:rPr>
+                <a:latin typeface="+mj-lt"/>
+                <a:ea typeface="+mj-ea"/>
+                <a:cs typeface="+mj-cs"/>
+                <a:sym typeface="Helvetica"/>
+              </a:rPr>
+              <a:t>の中では</a:t>
+            </a:r>
+            <a:r>
+              <a:t>React</a:t>
+            </a:r>
+            <a:r>
+              <a:rPr>
+                <a:latin typeface="+mj-lt"/>
+                <a:ea typeface="+mj-ea"/>
+                <a:cs typeface="+mj-cs"/>
+                <a:sym typeface="Helvetica"/>
+              </a:rPr>
+              <a:t>が動いてる！</a:t>
+            </a:r>
+            <a:r>
+              <a:t>Nintendo eShop</a:t>
+            </a:r>
+            <a:r>
+              <a:rPr>
+                <a:latin typeface="+mj-lt"/>
+                <a:ea typeface="+mj-ea"/>
+                <a:cs typeface="+mj-cs"/>
+                <a:sym typeface="Helvetica"/>
+              </a:rPr>
+              <a:t>開発秘話を聞いてきた</a:t>
+            </a:r>
+          </a:p>
+          <a:p>
+            <a:pPr marL="0" indent="0" defTabSz="388620">
+              <a:spcBef>
+                <a:spcPts val="800"/>
+              </a:spcBef>
+              <a:buSzTx/>
+              <a:buNone/>
+              <a:defRPr sz="1500">
+                <a:latin typeface="+mj-lt"/>
+                <a:ea typeface="+mj-ea"/>
+                <a:cs typeface="+mj-cs"/>
+                <a:sym typeface="Helvetica"/>
+              </a:defRPr>
+            </a:pPr>
+            <a:r>
+              <a:t>　　　</a:t>
+            </a:r>
+            <a:r>
+              <a:rPr u="sng">
                 <a:solidFill>
                   <a:srgbClr val="0000FF"/>
                 </a:solidFill>
@@ -23997,12 +23691,51 @@
                     <a:srgbClr val="0000FF"/>
                   </a:solidFill>
                 </a:uFill>
-                <a:hlinkClick r:id="rId2" invalidUrl="" action="" tgtFrame="" tooltip="" history="1" highlightClick="0" endSnd="0"/>
+                <a:latin typeface="+mn-lt"/>
+                <a:ea typeface="+mn-ea"/>
+                <a:cs typeface="+mn-cs"/>
+                <a:sym typeface="Trebuchet MS"/>
+                <a:hlinkClick r:id="rId3" invalidUrl="" action="" tgtFrame="" tooltip="" history="1" highlightClick="0" endSnd="0"/>
               </a:rPr>
-              <a:t>://</a:t>
-            </a:r>
-            <a:r>
-              <a:rPr>
+              <a:t>https://html5experts.jp/shumpei-shiraishi/24538/</a:t>
+            </a:r>
+          </a:p>
+          <a:p>
+            <a:pPr marL="291465" indent="-291465" defTabSz="388620">
+              <a:spcBef>
+                <a:spcPts val="800"/>
+              </a:spcBef>
+              <a:buFont typeface="Helvetica"/>
+              <a:defRPr sz="1500">
+                <a:latin typeface="Meiryo"/>
+                <a:ea typeface="Meiryo"/>
+                <a:cs typeface="Meiryo"/>
+                <a:sym typeface="Meiryo"/>
+              </a:defRPr>
+            </a:pPr>
+            <a:r>
+              <a:t>Expo.ioを使ってReact Nativeの開発の準備をする</a:t>
+            </a:r>
+          </a:p>
+          <a:p>
+            <a:pPr marL="0" indent="0" defTabSz="388620">
+              <a:spcBef>
+                <a:spcPts val="800"/>
+              </a:spcBef>
+              <a:buSzTx/>
+              <a:buNone/>
+              <a:defRPr sz="1500">
+                <a:latin typeface="メイリオ"/>
+                <a:ea typeface="メイリオ"/>
+                <a:cs typeface="メイリオ"/>
+                <a:sym typeface="メイリオ"/>
+              </a:defRPr>
+            </a:pPr>
+            <a:r>
+              <a:t>　　　https://</a:t>
+            </a:r>
+            <a:r>
+              <a:rPr u="sng">
                 <a:solidFill>
                   <a:srgbClr val="0000FF"/>
                 </a:solidFill>
@@ -24011,87 +23744,167 @@
                     <a:srgbClr val="0000FF"/>
                   </a:solidFill>
                 </a:uFill>
-                <a:hlinkClick r:id="rId2" invalidUrl="" action="" tgtFrame="" tooltip="" history="1" highlightClick="0" endSnd="0"/>
+                <a:hlinkClick r:id="rId4" invalidUrl="" action="" tgtFrame="" tooltip="" history="1" highlightClick="0" endSnd="0"/>
               </a:rPr>
-              <a:t>www.slideshare.net/couger2010/mob-programming-76337184</a:t>
-            </a:r>
-            <a:endParaRPr>
-              <a:solidFill>
-                <a:srgbClr val="000000"/>
-              </a:solidFill>
-            </a:endParaRPr>
-          </a:p>
-          <a:p>
-            <a:pPr>
-              <a:buSzTx/>
-              <a:buNone/>
-              <a:defRPr>
+              <a:t>qiita.c</a:t>
+            </a:r>
+            <a:r>
+              <a:t>om</a:t>
+            </a:r>
+            <a:r>
+              <a:rPr u="sng">
                 <a:solidFill>
-                  <a:srgbClr val="000000"/>
+                  <a:srgbClr val="0000FF"/>
                 </a:solidFill>
-              </a:defRPr>
-            </a:pPr>
-          </a:p>
-          <a:p>
-            <a:pPr>
-              <a:buSzTx/>
-              <a:buNone/>
-              <a:defRPr sz="2800"/>
-            </a:pPr>
-            <a:r>
-              <a:t>ASE</a:t>
-            </a:r>
-            <a:r>
-              <a:rPr>
-                <a:latin typeface="+mj-lt"/>
-                <a:ea typeface="+mj-ea"/>
-                <a:cs typeface="+mj-cs"/>
-                <a:sym typeface="Helvetica"/>
+                <a:uFill>
+                  <a:solidFill>
+                    <a:srgbClr val="0000FF"/>
+                  </a:solidFill>
+                </a:uFill>
+                <a:hlinkClick r:id="rId4" invalidUrl="" action="" tgtFrame="" tooltip="" history="1" highlightClick="0" endSnd="0"/>
               </a:rPr>
-              <a:t>社員が実施した時の記録。</a:t>
-            </a:r>
-            <a:endParaRPr>
-              <a:solidFill>
-                <a:srgbClr val="000000"/>
-              </a:solidFill>
-            </a:endParaRPr>
-          </a:p>
-          <a:p>
-            <a:pPr>
-              <a:buSzTx/>
-              <a:buNone/>
-              <a:defRPr>
+              <a:t>/s</a:t>
+            </a:r>
+            <a:r>
+              <a:t>o</a:t>
+            </a:r>
+            <a:r>
+              <a:rPr u="sng">
                 <a:solidFill>
-                  <a:srgbClr val="000000"/>
+                  <a:srgbClr val="0000FF"/>
                 </a:solidFill>
-              </a:defRPr>
-            </a:pPr>
-            <a:r>
-              <a:t>http://blog.ase.co.jp/2018/05/10/</a:t>
-            </a:r>
-            <a:r>
-              <a:rPr>
-                <a:latin typeface="+mj-lt"/>
-                <a:ea typeface="+mj-ea"/>
-                <a:cs typeface="+mj-cs"/>
-                <a:sym typeface="Helvetica"/>
+                <a:uFill>
+                  <a:solidFill>
+                    <a:srgbClr val="0000FF"/>
+                  </a:solidFill>
+                </a:uFill>
+                <a:hlinkClick r:id="rId4" invalidUrl="" action="" tgtFrame="" tooltip="" history="1" highlightClick="0" endSnd="0"/>
               </a:rPr>
-              <a:t>東京支店社内勉強会</a:t>
-            </a:r>
-            <a:r>
-              <a:t>-</a:t>
-            </a:r>
-            <a:r>
-              <a:rPr>
-                <a:latin typeface="+mj-lt"/>
-                <a:ea typeface="+mj-ea"/>
-                <a:cs typeface="+mj-cs"/>
-                <a:sym typeface="Helvetica"/>
+              <a:t>m</a:t>
+            </a:r>
+            <a:r>
+              <a:t>e</a:t>
+            </a:r>
+            <a:r>
+              <a:rPr u="sng">
+                <a:solidFill>
+                  <a:srgbClr val="0000FF"/>
+                </a:solidFill>
+                <a:uFill>
+                  <a:solidFill>
+                    <a:srgbClr val="0000FF"/>
+                  </a:solidFill>
+                </a:uFill>
+                <a:hlinkClick r:id="rId4" invalidUrl="" action="" tgtFrame="" tooltip="" history="1" highlightClick="0" endSnd="0"/>
               </a:rPr>
-              <a:t>モブプログラミングやってみ</a:t>
+              <a:t>bod</a:t>
+            </a:r>
+            <a:r>
+              <a:t>y</a:t>
+            </a:r>
+            <a:r>
+              <a:rPr u="sng">
+                <a:solidFill>
+                  <a:srgbClr val="0000FF"/>
+                </a:solidFill>
+                <a:uFill>
+                  <a:solidFill>
+                    <a:srgbClr val="0000FF"/>
+                  </a:solidFill>
+                </a:uFill>
+                <a:hlinkClick r:id="rId4" invalidUrl="" action="" tgtFrame="" tooltip="" history="1" highlightClick="0" endSnd="0"/>
+              </a:rPr>
+              <a:t>_gp</a:t>
             </a:r>
             <a:r>
               <a:t>/</a:t>
+            </a:r>
+            <a:r>
+              <a:rPr u="sng">
+                <a:solidFill>
+                  <a:srgbClr val="0000FF"/>
+                </a:solidFill>
+                <a:uFill>
+                  <a:solidFill>
+                    <a:srgbClr val="0000FF"/>
+                  </a:solidFill>
+                </a:uFill>
+                <a:hlinkClick r:id="rId4" invalidUrl="" action="" tgtFrame="" tooltip="" history="1" highlightClick="0" endSnd="0"/>
+              </a:rPr>
+              <a:t>items</a:t>
+            </a:r>
+            <a:r>
+              <a:t>/</a:t>
+            </a:r>
+            <a:r>
+              <a:rPr u="sng">
+                <a:solidFill>
+                  <a:srgbClr val="0000FF"/>
+                </a:solidFill>
+                <a:uFill>
+                  <a:solidFill>
+                    <a:srgbClr val="0000FF"/>
+                  </a:solidFill>
+                </a:uFill>
+                <a:hlinkClick r:id="rId4" invalidUrl="" action="" tgtFrame="" tooltip="" history="1" highlightClick="0" endSnd="0"/>
+              </a:rPr>
+              <a:t>e</a:t>
+            </a:r>
+            <a:r>
+              <a:rPr u="sng">
+                <a:solidFill>
+                  <a:srgbClr val="0000FF"/>
+                </a:solidFill>
+                <a:uFill>
+                  <a:solidFill>
+                    <a:srgbClr val="0000FF"/>
+                  </a:solidFill>
+                </a:uFill>
+                <a:hlinkClick r:id="rId5" invalidUrl="" action="" tgtFrame="" tooltip="" history="1" highlightClick="0" endSnd="0"/>
+              </a:rPr>
+              <a:t>018</a:t>
+            </a:r>
+            <a:r>
+              <a:rPr u="sng">
+                <a:solidFill>
+                  <a:srgbClr val="0000FF"/>
+                </a:solidFill>
+                <a:uFill>
+                  <a:solidFill>
+                    <a:srgbClr val="0000FF"/>
+                  </a:solidFill>
+                </a:uFill>
+                <a:hlinkClick r:id="rId4" invalidUrl="" action="" tgtFrame="" tooltip="" history="1" highlightClick="0" endSnd="0"/>
+              </a:rPr>
+              <a:t>cd4a35a7</a:t>
+            </a:r>
+            <a:r>
+              <a:rPr u="sng">
+                <a:solidFill>
+                  <a:srgbClr val="0000FF"/>
+                </a:solidFill>
+                <a:uFill>
+                  <a:solidFill>
+                    <a:srgbClr val="0000FF"/>
+                  </a:solidFill>
+                </a:uFill>
+                <a:hlinkClick r:id="rId5" invalidUrl="" action="" tgtFrame="" tooltip="" history="1" highlightClick="0" endSnd="0"/>
+              </a:rPr>
+              <a:t>2</a:t>
+            </a:r>
+            <a:r>
+              <a:rPr u="sng">
+                <a:solidFill>
+                  <a:srgbClr val="0000FF"/>
+                </a:solidFill>
+                <a:uFill>
+                  <a:solidFill>
+                    <a:srgbClr val="0000FF"/>
+                  </a:solidFill>
+                </a:uFill>
+                <a:hlinkClick r:id="rId4" invalidUrl="" action="" tgtFrame="" tooltip="" history="1" highlightClick="0" endSnd="0"/>
+              </a:rPr>
+              <a:t>334b9bb</a:t>
             </a:r>
           </a:p>
         </p:txBody>
@@ -24124,115 +23937,7 @@
       </p:grpSpPr>
       <p:sp>
         <p:nvSpPr>
-          <p:cNvPr id="479" name="タイトル 1"/>
-          <p:cNvSpPr txBox="1"/>
-          <p:nvPr>
-            <p:ph type="title"/>
-          </p:nvPr>
-        </p:nvSpPr>
-        <p:spPr>
-          <a:xfrm>
-            <a:off x="77931" y="2652104"/>
-            <a:ext cx="10432475" cy="781399"/>
-          </a:xfrm>
-          <a:prstGeom prst="rect">
-            <a:avLst/>
-          </a:prstGeom>
-        </p:spPr>
-        <p:txBody>
-          <a:bodyPr/>
-          <a:lstStyle>
-            <a:lvl1pPr algn="ctr">
-              <a:defRPr sz="4800">
-                <a:latin typeface="メイリオ"/>
-                <a:ea typeface="メイリオ"/>
-                <a:cs typeface="メイリオ"/>
-                <a:sym typeface="メイリオ"/>
-              </a:defRPr>
-            </a:lvl1pPr>
-          </a:lstStyle>
-          <a:p>
-            <a:pPr/>
-            <a:r>
-              <a:t>お疲れ様でした。</a:t>
-            </a:r>
-          </a:p>
-        </p:txBody>
-      </p:sp>
-      <p:sp>
-        <p:nvSpPr>
-          <p:cNvPr id="480" name="正方形/長方形 2"/>
-          <p:cNvSpPr txBox="1"/>
-          <p:nvPr/>
-        </p:nvSpPr>
-        <p:spPr>
-          <a:xfrm>
-            <a:off x="2604040" y="4050669"/>
-            <a:ext cx="5361939" cy="320038"/>
-          </a:xfrm>
-          <a:prstGeom prst="rect">
-            <a:avLst/>
-          </a:prstGeom>
-          <a:ln w="12700">
-            <a:miter lim="400000"/>
-          </a:ln>
-          <a:extLst>
-            <a:ext uri="{C572A759-6A51-4108-AA02-DFA0A04FC94B}">
-              <ma14:wrappingTextBoxFlag xmlns:ma14="http://schemas.microsoft.com/office/mac/drawingml/2011/main" val="1"/>
-            </a:ext>
-          </a:extLst>
-        </p:spPr>
-        <p:txBody>
-          <a:bodyPr wrap="none" lIns="45718" tIns="45718" rIns="45718" bIns="45718">
-            <a:spAutoFit/>
-          </a:bodyPr>
-          <a:lstStyle>
-            <a:lvl1pPr>
-              <a:defRPr>
-                <a:latin typeface="+mj-lt"/>
-                <a:ea typeface="+mj-ea"/>
-                <a:cs typeface="+mj-cs"/>
-                <a:sym typeface="Helvetica"/>
-              </a:defRPr>
-            </a:lvl1pPr>
-          </a:lstStyle>
-          <a:p>
-            <a:pPr/>
-            <a:r>
-              <a:t>時間が余ったら二日目に何を作りたいかを決める。</a:t>
-            </a:r>
-          </a:p>
-        </p:txBody>
-      </p:sp>
-    </p:spTree>
-  </p:cSld>
-  <p:clrMapOvr>
-    <a:masterClrMapping/>
-  </p:clrMapOvr>
-  <p:transition xmlns:p14="http://schemas.microsoft.com/office/powerpoint/2010/main" spd="med" advClick="1"/>
-</p:sld>
-</file>
-
-<file path=ppt/slides/slide76.xml><?xml version="1.0" encoding="utf-8"?>
-<p:sld xmlns:a="http://schemas.openxmlformats.org/drawingml/2006/main" xmlns:r="http://schemas.openxmlformats.org/officeDocument/2006/relationships" xmlns:p="http://schemas.openxmlformats.org/presentationml/2006/main" xmlns:m="http://schemas.openxmlformats.org/officeDocument/2006/math" xmlns:a14="http://schemas.microsoft.com/office/drawing/2010/main" showMasterSp="1" showMasterPhAnim="1">
-  <p:cSld>
-    <p:spTree>
-      <p:nvGrpSpPr>
-        <p:cNvPr id="1" name=""/>
-        <p:cNvGrpSpPr/>
-        <p:nvPr/>
-      </p:nvGrpSpPr>
-      <p:grpSpPr>
-        <a:xfrm>
-          <a:off x="0" y="0"/>
-          <a:ext cx="0" cy="0"/>
-          <a:chOff x="0" y="0"/>
-          <a:chExt cx="0" cy="0"/>
-        </a:xfrm>
-      </p:grpSpPr>
-      <p:sp>
-        <p:nvSpPr>
-          <p:cNvPr id="482" name="タイトル 1"/>
+          <p:cNvPr id="478" name="タイトル 1"/>
           <p:cNvSpPr txBox="1"/>
           <p:nvPr>
             <p:ph type="title"/>
@@ -24262,431 +23967,6 @@
           <a:p>
             <a:pPr/>
             <a:r>
-              <a:t>参考</a:t>
-            </a:r>
-          </a:p>
-        </p:txBody>
-      </p:sp>
-      <p:sp>
-        <p:nvSpPr>
-          <p:cNvPr id="483" name="コンテンツ プレースホルダー 2"/>
-          <p:cNvSpPr txBox="1"/>
-          <p:nvPr>
-            <p:ph type="body" idx="1"/>
-          </p:nvPr>
-        </p:nvSpPr>
-        <p:spPr>
-          <a:xfrm>
-            <a:off x="677333" y="1305098"/>
-            <a:ext cx="8596670" cy="4736267"/>
-          </a:xfrm>
-          <a:prstGeom prst="rect">
-            <a:avLst/>
-          </a:prstGeom>
-        </p:spPr>
-        <p:txBody>
-          <a:bodyPr/>
-          <a:lstStyle/>
-          <a:p>
-            <a:pPr marL="291465" indent="-291465" defTabSz="388620">
-              <a:spcBef>
-                <a:spcPts val="800"/>
-              </a:spcBef>
-              <a:buFont typeface="Helvetica"/>
-              <a:defRPr sz="1500">
-                <a:latin typeface="+mj-lt"/>
-                <a:ea typeface="+mj-ea"/>
-                <a:cs typeface="+mj-cs"/>
-                <a:sym typeface="Helvetica"/>
-              </a:defRPr>
-            </a:pPr>
-            <a:r>
-              <a:t>【徹底解説】初心者向けスマホアプリ開発に必要な言語と環境まとめ</a:t>
-            </a:r>
-          </a:p>
-          <a:p>
-            <a:pPr marL="0" indent="0" defTabSz="388620">
-              <a:spcBef>
-                <a:spcPts val="800"/>
-              </a:spcBef>
-              <a:buSzTx/>
-              <a:buNone/>
-              <a:defRPr sz="1500">
-                <a:latin typeface="+mj-lt"/>
-                <a:ea typeface="+mj-ea"/>
-                <a:cs typeface="+mj-cs"/>
-                <a:sym typeface="Helvetica"/>
-              </a:defRPr>
-            </a:pPr>
-            <a:r>
-              <a:t>　　　</a:t>
-            </a:r>
-            <a:r>
-              <a:rPr u="sng">
-                <a:solidFill>
-                  <a:srgbClr val="0000FF"/>
-                </a:solidFill>
-                <a:uFill>
-                  <a:solidFill>
-                    <a:srgbClr val="0000FF"/>
-                  </a:solidFill>
-                </a:uFill>
-                <a:latin typeface="+mn-lt"/>
-                <a:ea typeface="+mn-ea"/>
-                <a:cs typeface="+mn-cs"/>
-                <a:sym typeface="Trebuchet MS"/>
-                <a:hlinkClick r:id="rId2" invalidUrl="" action="" tgtFrame="" tooltip="" history="1" highlightClick="0" endSnd="0"/>
-              </a:rPr>
-              <a:t>https://www.sejuku.net/blog/5293</a:t>
-            </a:r>
-          </a:p>
-          <a:p>
-            <a:pPr marL="291465" indent="-291465" defTabSz="388620">
-              <a:spcBef>
-                <a:spcPts val="800"/>
-              </a:spcBef>
-              <a:defRPr sz="1500"/>
-            </a:pPr>
-            <a:r>
-              <a:t>Nintendo Switch</a:t>
-            </a:r>
-            <a:r>
-              <a:rPr>
-                <a:latin typeface="+mj-lt"/>
-                <a:ea typeface="+mj-ea"/>
-                <a:cs typeface="+mj-cs"/>
-                <a:sym typeface="Helvetica"/>
-              </a:rPr>
-              <a:t>の中では</a:t>
-            </a:r>
-            <a:r>
-              <a:t>React</a:t>
-            </a:r>
-            <a:r>
-              <a:rPr>
-                <a:latin typeface="+mj-lt"/>
-                <a:ea typeface="+mj-ea"/>
-                <a:cs typeface="+mj-cs"/>
-                <a:sym typeface="Helvetica"/>
-              </a:rPr>
-              <a:t>が動いてる！</a:t>
-            </a:r>
-            <a:r>
-              <a:t>Nintendo eShop</a:t>
-            </a:r>
-            <a:r>
-              <a:rPr>
-                <a:latin typeface="+mj-lt"/>
-                <a:ea typeface="+mj-ea"/>
-                <a:cs typeface="+mj-cs"/>
-                <a:sym typeface="Helvetica"/>
-              </a:rPr>
-              <a:t>開発秘話を聞いてきた</a:t>
-            </a:r>
-          </a:p>
-          <a:p>
-            <a:pPr marL="0" indent="0" defTabSz="388620">
-              <a:spcBef>
-                <a:spcPts val="800"/>
-              </a:spcBef>
-              <a:buSzTx/>
-              <a:buNone/>
-              <a:defRPr sz="1500">
-                <a:latin typeface="+mj-lt"/>
-                <a:ea typeface="+mj-ea"/>
-                <a:cs typeface="+mj-cs"/>
-                <a:sym typeface="Helvetica"/>
-              </a:defRPr>
-            </a:pPr>
-            <a:r>
-              <a:t>　　　</a:t>
-            </a:r>
-            <a:r>
-              <a:rPr u="sng">
-                <a:solidFill>
-                  <a:srgbClr val="0000FF"/>
-                </a:solidFill>
-                <a:uFill>
-                  <a:solidFill>
-                    <a:srgbClr val="0000FF"/>
-                  </a:solidFill>
-                </a:uFill>
-                <a:latin typeface="+mn-lt"/>
-                <a:ea typeface="+mn-ea"/>
-                <a:cs typeface="+mn-cs"/>
-                <a:sym typeface="Trebuchet MS"/>
-                <a:hlinkClick r:id="rId3" invalidUrl="" action="" tgtFrame="" tooltip="" history="1" highlightClick="0" endSnd="0"/>
-              </a:rPr>
-              <a:t>https://html5experts.jp/shumpei-shiraishi/24538/</a:t>
-            </a:r>
-          </a:p>
-          <a:p>
-            <a:pPr marL="291465" indent="-291465" defTabSz="388620">
-              <a:spcBef>
-                <a:spcPts val="800"/>
-              </a:spcBef>
-              <a:buFont typeface="Helvetica"/>
-              <a:defRPr sz="1500">
-                <a:latin typeface="Meiryo"/>
-                <a:ea typeface="Meiryo"/>
-                <a:cs typeface="Meiryo"/>
-                <a:sym typeface="Meiryo"/>
-              </a:defRPr>
-            </a:pPr>
-            <a:r>
-              <a:t>Expo.ioを使ってReact Nativeの開発の準備をする</a:t>
-            </a:r>
-          </a:p>
-          <a:p>
-            <a:pPr marL="0" indent="0" defTabSz="388620">
-              <a:spcBef>
-                <a:spcPts val="800"/>
-              </a:spcBef>
-              <a:buSzTx/>
-              <a:buNone/>
-              <a:defRPr sz="1500">
-                <a:latin typeface="メイリオ"/>
-                <a:ea typeface="メイリオ"/>
-                <a:cs typeface="メイリオ"/>
-                <a:sym typeface="メイリオ"/>
-              </a:defRPr>
-            </a:pPr>
-            <a:r>
-              <a:t>　　　https://</a:t>
-            </a:r>
-            <a:r>
-              <a:rPr u="sng">
-                <a:solidFill>
-                  <a:srgbClr val="0000FF"/>
-                </a:solidFill>
-                <a:uFill>
-                  <a:solidFill>
-                    <a:srgbClr val="0000FF"/>
-                  </a:solidFill>
-                </a:uFill>
-                <a:hlinkClick r:id="rId4" invalidUrl="" action="" tgtFrame="" tooltip="" history="1" highlightClick="0" endSnd="0"/>
-              </a:rPr>
-              <a:t>qiita.c</a:t>
-            </a:r>
-            <a:r>
-              <a:t>om</a:t>
-            </a:r>
-            <a:r>
-              <a:rPr u="sng">
-                <a:solidFill>
-                  <a:srgbClr val="0000FF"/>
-                </a:solidFill>
-                <a:uFill>
-                  <a:solidFill>
-                    <a:srgbClr val="0000FF"/>
-                  </a:solidFill>
-                </a:uFill>
-                <a:hlinkClick r:id="rId4" invalidUrl="" action="" tgtFrame="" tooltip="" history="1" highlightClick="0" endSnd="0"/>
-              </a:rPr>
-              <a:t>/s</a:t>
-            </a:r>
-            <a:r>
-              <a:t>o</a:t>
-            </a:r>
-            <a:r>
-              <a:rPr u="sng">
-                <a:solidFill>
-                  <a:srgbClr val="0000FF"/>
-                </a:solidFill>
-                <a:uFill>
-                  <a:solidFill>
-                    <a:srgbClr val="0000FF"/>
-                  </a:solidFill>
-                </a:uFill>
-                <a:hlinkClick r:id="rId4" invalidUrl="" action="" tgtFrame="" tooltip="" history="1" highlightClick="0" endSnd="0"/>
-              </a:rPr>
-              <a:t>m</a:t>
-            </a:r>
-            <a:r>
-              <a:t>e</a:t>
-            </a:r>
-            <a:r>
-              <a:rPr u="sng">
-                <a:solidFill>
-                  <a:srgbClr val="0000FF"/>
-                </a:solidFill>
-                <a:uFill>
-                  <a:solidFill>
-                    <a:srgbClr val="0000FF"/>
-                  </a:solidFill>
-                </a:uFill>
-                <a:hlinkClick r:id="rId4" invalidUrl="" action="" tgtFrame="" tooltip="" history="1" highlightClick="0" endSnd="0"/>
-              </a:rPr>
-              <a:t>bod</a:t>
-            </a:r>
-            <a:r>
-              <a:t>y</a:t>
-            </a:r>
-            <a:r>
-              <a:rPr u="sng">
-                <a:solidFill>
-                  <a:srgbClr val="0000FF"/>
-                </a:solidFill>
-                <a:uFill>
-                  <a:solidFill>
-                    <a:srgbClr val="0000FF"/>
-                  </a:solidFill>
-                </a:uFill>
-                <a:hlinkClick r:id="rId4" invalidUrl="" action="" tgtFrame="" tooltip="" history="1" highlightClick="0" endSnd="0"/>
-              </a:rPr>
-              <a:t>_gp</a:t>
-            </a:r>
-            <a:r>
-              <a:t>/</a:t>
-            </a:r>
-            <a:r>
-              <a:rPr u="sng">
-                <a:solidFill>
-                  <a:srgbClr val="0000FF"/>
-                </a:solidFill>
-                <a:uFill>
-                  <a:solidFill>
-                    <a:srgbClr val="0000FF"/>
-                  </a:solidFill>
-                </a:uFill>
-                <a:hlinkClick r:id="rId4" invalidUrl="" action="" tgtFrame="" tooltip="" history="1" highlightClick="0" endSnd="0"/>
-              </a:rPr>
-              <a:t>items</a:t>
-            </a:r>
-            <a:r>
-              <a:t>/</a:t>
-            </a:r>
-            <a:r>
-              <a:rPr u="sng">
-                <a:solidFill>
-                  <a:srgbClr val="0000FF"/>
-                </a:solidFill>
-                <a:uFill>
-                  <a:solidFill>
-                    <a:srgbClr val="0000FF"/>
-                  </a:solidFill>
-                </a:uFill>
-                <a:hlinkClick r:id="rId4" invalidUrl="" action="" tgtFrame="" tooltip="" history="1" highlightClick="0" endSnd="0"/>
-              </a:rPr>
-              <a:t>e</a:t>
-            </a:r>
-            <a:r>
-              <a:rPr u="sng">
-                <a:solidFill>
-                  <a:srgbClr val="0000FF"/>
-                </a:solidFill>
-                <a:uFill>
-                  <a:solidFill>
-                    <a:srgbClr val="0000FF"/>
-                  </a:solidFill>
-                </a:uFill>
-                <a:hlinkClick r:id="rId5" invalidUrl="" action="" tgtFrame="" tooltip="" history="1" highlightClick="0" endSnd="0"/>
-              </a:rPr>
-              <a:t>018</a:t>
-            </a:r>
-            <a:r>
-              <a:rPr u="sng">
-                <a:solidFill>
-                  <a:srgbClr val="0000FF"/>
-                </a:solidFill>
-                <a:uFill>
-                  <a:solidFill>
-                    <a:srgbClr val="0000FF"/>
-                  </a:solidFill>
-                </a:uFill>
-                <a:hlinkClick r:id="rId4" invalidUrl="" action="" tgtFrame="" tooltip="" history="1" highlightClick="0" endSnd="0"/>
-              </a:rPr>
-              <a:t>cd4a35a7</a:t>
-            </a:r>
-            <a:r>
-              <a:rPr u="sng">
-                <a:solidFill>
-                  <a:srgbClr val="0000FF"/>
-                </a:solidFill>
-                <a:uFill>
-                  <a:solidFill>
-                    <a:srgbClr val="0000FF"/>
-                  </a:solidFill>
-                </a:uFill>
-                <a:hlinkClick r:id="rId5" invalidUrl="" action="" tgtFrame="" tooltip="" history="1" highlightClick="0" endSnd="0"/>
-              </a:rPr>
-              <a:t>2</a:t>
-            </a:r>
-            <a:r>
-              <a:rPr u="sng">
-                <a:solidFill>
-                  <a:srgbClr val="0000FF"/>
-                </a:solidFill>
-                <a:uFill>
-                  <a:solidFill>
-                    <a:srgbClr val="0000FF"/>
-                  </a:solidFill>
-                </a:uFill>
-                <a:hlinkClick r:id="rId4" invalidUrl="" action="" tgtFrame="" tooltip="" history="1" highlightClick="0" endSnd="0"/>
-              </a:rPr>
-              <a:t>334b9bb</a:t>
-            </a:r>
-          </a:p>
-        </p:txBody>
-      </p:sp>
-    </p:spTree>
-  </p:cSld>
-  <p:clrMapOvr>
-    <a:masterClrMapping/>
-  </p:clrMapOvr>
-  <p:transition xmlns:p14="http://schemas.microsoft.com/office/powerpoint/2010/main" spd="med" advClick="1"/>
-</p:sld>
-</file>
-
-<file path=ppt/slides/slide77.xml><?xml version="1.0" encoding="utf-8"?>
-<p:sld xmlns:a="http://schemas.openxmlformats.org/drawingml/2006/main" xmlns:r="http://schemas.openxmlformats.org/officeDocument/2006/relationships" xmlns:p="http://schemas.openxmlformats.org/presentationml/2006/main" xmlns:m="http://schemas.openxmlformats.org/officeDocument/2006/math" xmlns:a14="http://schemas.microsoft.com/office/drawing/2010/main" showMasterSp="1" showMasterPhAnim="1">
-  <p:cSld>
-    <p:spTree>
-      <p:nvGrpSpPr>
-        <p:cNvPr id="1" name=""/>
-        <p:cNvGrpSpPr/>
-        <p:nvPr/>
-      </p:nvGrpSpPr>
-      <p:grpSpPr>
-        <a:xfrm>
-          <a:off x="0" y="0"/>
-          <a:ext cx="0" cy="0"/>
-          <a:chOff x="0" y="0"/>
-          <a:chExt cx="0" cy="0"/>
-        </a:xfrm>
-      </p:grpSpPr>
-      <p:sp>
-        <p:nvSpPr>
-          <p:cNvPr id="485" name="タイトル 1"/>
-          <p:cNvSpPr txBox="1"/>
-          <p:nvPr>
-            <p:ph type="title"/>
-          </p:nvPr>
-        </p:nvSpPr>
-        <p:spPr>
-          <a:xfrm>
-            <a:off x="677333" y="609598"/>
-            <a:ext cx="8596670" cy="695501"/>
-          </a:xfrm>
-          <a:prstGeom prst="rect">
-            <a:avLst/>
-          </a:prstGeom>
-        </p:spPr>
-        <p:txBody>
-          <a:bodyPr/>
-          <a:lstStyle>
-            <a:lvl1pPr>
-              <a:defRPr>
-                <a:latin typeface="+mj-lt"/>
-                <a:ea typeface="+mj-ea"/>
-                <a:cs typeface="+mj-cs"/>
-                <a:sym typeface="Helvetica"/>
-              </a:defRPr>
-            </a:lvl1pPr>
-          </a:lstStyle>
-          <a:p>
-            <a:pPr/>
-            <a:r>
               <a:t>二日目のタイムスケジュール</a:t>
             </a:r>
           </a:p>
@@ -24694,7 +23974,7 @@
       </p:sp>
       <p:graphicFrame>
         <p:nvGraphicFramePr>
-          <p:cNvPr id="486" name="表 3"/>
+          <p:cNvPr id="479" name="表 3"/>
           <p:cNvGraphicFramePr/>
           <p:nvPr/>
         </p:nvGraphicFramePr>
@@ -25006,7 +24286,7 @@
       </p:graphicFrame>
       <p:sp>
         <p:nvSpPr>
-          <p:cNvPr id="487" name="正方形/長方形 5"/>
+          <p:cNvPr id="480" name="正方形/長方形 5"/>
           <p:cNvSpPr txBox="1"/>
           <p:nvPr/>
         </p:nvSpPr>

--- a/doc/ASEインターンシップ2019_モバイルアプリ.pptx
+++ b/doc/ASEインターンシップ2019_モバイルアプリ.pptx
@@ -20241,7 +20241,7 @@
                 </a:uFill>
                 <a:hlinkClick r:id="rId2" invalidUrl="" action="" tgtFrame="" tooltip="" history="1" highlightClick="0" endSnd="0"/>
               </a:rPr>
-              <a:t>https://github.com/aselab/internship-201809/commits/master</a:t>
+              <a:t>https://github.com/aselab/internship-201908-src/commits/master</a:t>
             </a:r>
             <a:endParaRPr>
               <a:solidFill>

--- a/doc/ASEインターンシップ2019_モバイルアプリ.pptx
+++ b/doc/ASEインターンシップ2019_モバイルアプリ.pptx
@@ -10176,10 +10176,10 @@
         </p:nvGrpSpPr>
         <p:grpSpPr>
           <a:xfrm>
-            <a:off x="739831" y="3582782"/>
-            <a:ext cx="3732419" cy="1197038"/>
+            <a:off x="739831" y="3563435"/>
+            <a:ext cx="3853069" cy="1235732"/>
             <a:chOff x="0" y="0"/>
-            <a:chExt cx="3732417" cy="1197037"/>
+            <a:chExt cx="3853067" cy="1235731"/>
           </a:xfrm>
         </p:grpSpPr>
         <p:sp>
@@ -10191,7 +10191,7 @@
           <p:spPr>
             <a:xfrm>
               <a:off x="-1" y="0"/>
-              <a:ext cx="3732419" cy="1197038"/>
+              <a:ext cx="3853069" cy="1235732"/>
             </a:xfrm>
             <a:prstGeom prst="rect">
               <a:avLst/>
@@ -10226,8 +10226,8 @@
           </p:nvSpPr>
           <p:spPr>
             <a:xfrm>
-              <a:off x="-1" y="152747"/>
-              <a:ext cx="3732419" cy="891539"/>
+              <a:off x="-1" y="157684"/>
+              <a:ext cx="3853069" cy="920358"/>
             </a:xfrm>
             <a:prstGeom prst="rect">
               <a:avLst/>
@@ -10246,7 +10246,7 @@
           </p:spPr>
           <p:txBody>
             <a:bodyPr wrap="square" lIns="45718" tIns="45718" rIns="45718" bIns="45718" numCol="1" anchor="ctr">
-              <a:spAutoFit/>
+              <a:noAutofit/>
             </a:bodyPr>
             <a:lstStyle/>
             <a:p>
@@ -10396,10 +10396,10 @@
         </p:nvGrpSpPr>
         <p:grpSpPr>
           <a:xfrm>
-            <a:off x="739831" y="5106781"/>
-            <a:ext cx="3732419" cy="1393774"/>
+            <a:off x="739831" y="5084254"/>
+            <a:ext cx="3853069" cy="1438827"/>
             <a:chOff x="0" y="0"/>
-            <a:chExt cx="3732417" cy="1393772"/>
+            <a:chExt cx="3853067" cy="1438826"/>
           </a:xfrm>
         </p:grpSpPr>
         <p:sp>
@@ -10411,7 +10411,7 @@
           <p:spPr>
             <a:xfrm>
               <a:off x="-1" y="-1"/>
-              <a:ext cx="3732419" cy="1393773"/>
+              <a:ext cx="3853069" cy="1438827"/>
             </a:xfrm>
             <a:prstGeom prst="rect">
               <a:avLst/>
@@ -10446,8 +10446,8 @@
           </p:nvSpPr>
           <p:spPr>
             <a:xfrm>
-              <a:off x="-1" y="60613"/>
-              <a:ext cx="3732419" cy="1272540"/>
+              <a:off x="-1" y="62573"/>
+              <a:ext cx="3853069" cy="1313674"/>
             </a:xfrm>
             <a:prstGeom prst="rect">
               <a:avLst/>
@@ -10466,7 +10466,7 @@
           </p:spPr>
           <p:txBody>
             <a:bodyPr wrap="square" lIns="45718" tIns="45718" rIns="45718" bIns="45718" numCol="1" anchor="ctr">
-              <a:spAutoFit/>
+              <a:noAutofit/>
             </a:bodyPr>
             <a:lstStyle/>
             <a:p>
@@ -10495,7 +10495,7 @@
                 <a:t>は</a:t>
               </a:r>
               <a:r>
-                <a:t>${a}`</a:t>
+                <a:t>${userId}`</a:t>
               </a:r>
               <a:endParaRPr>
                 <a:solidFill>
@@ -12059,7 +12059,7 @@
               <a:defRPr sz="2000"/>
             </a:pPr>
             <a:r>
-              <a:t>for-in</a:t>
+              <a:t>for-of</a:t>
             </a:r>
             <a:r>
               <a:rPr>
@@ -12174,7 +12174,7 @@
             <a:p>
               <a:pPr/>
               <a:r>
-                <a:t>for(let number in numbers) {</a:t>
+                <a:t>for(let number of numbers) {</a:t>
               </a:r>
               <a:endParaRPr>
                 <a:solidFill>
